--- a/Manage.pptx
+++ b/Manage.pptx
@@ -104,6 +104,11 @@
       </a:defRPr>
     </a:lvl9pPr>
   </p:defaultTextStyle>
+  <p:extLst>
+    <p:ext uri="{EFAFB233-063F-42B5-8137-9DF3F51BA10A}">
+      <p15:sldGuideLst xmlns:p15="http://schemas.microsoft.com/office/powerpoint/2012/main"/>
+    </p:ext>
+  </p:extLst>
 </p:presentation>
 </file>
 
@@ -958,7 +963,7 @@
         <a:p>
           <a:r>
             <a:rPr lang="en-US" dirty="0"/>
-            <a:t>Elena</a:t>
+            <a:t>User: Elena</a:t>
           </a:r>
           <a:br>
             <a:rPr lang="en-US" dirty="0"/>
@@ -1150,7 +1155,7 @@
         <a:p>
           <a:r>
             <a:rPr lang="en-US" dirty="0" err="1"/>
-            <a:t>binMonitor</a:t>
+            <a:t>Device:binMonitor</a:t>
           </a:r>
           <a:endParaRPr lang="en-AU" dirty="0"/>
         </a:p>
@@ -1215,6 +1220,83 @@
         </a:p>
       </dgm:t>
     </dgm:pt>
+    <dgm:pt modelId="{D2E1733B-4AC0-403A-B9F0-F76EE35E1082}">
+      <dgm:prSet phldrT="[Text]"/>
+      <dgm:spPr/>
+      <dgm:t>
+        <a:bodyPr/>
+        <a:lstStyle/>
+        <a:p>
+          <a:r>
+            <a:rPr lang="en-US" dirty="0"/>
+            <a:t>Dashboard: </a:t>
+          </a:r>
+          <a:r>
+            <a:rPr lang="en-US" dirty="0" err="1"/>
+            <a:t>genericUser</a:t>
+          </a:r>
+          <a:endParaRPr lang="en-AU" dirty="0"/>
+        </a:p>
+      </dgm:t>
+    </dgm:pt>
+    <dgm:pt modelId="{62A55889-054C-45A5-BC6C-67931AB15CD5}" type="parTrans" cxnId="{6B10036D-1E31-444B-A6FB-DB79D670EA57}">
+      <dgm:prSet/>
+      <dgm:spPr/>
+    </dgm:pt>
+    <dgm:pt modelId="{B3464109-4536-4CD6-9AF7-89B84DCA6916}" type="sibTrans" cxnId="{6B10036D-1E31-444B-A6FB-DB79D670EA57}">
+      <dgm:prSet/>
+      <dgm:spPr/>
+    </dgm:pt>
+    <dgm:pt modelId="{5E133090-B5EC-4081-9D48-192FE992C7F6}">
+      <dgm:prSet phldrT="[Text]"/>
+      <dgm:spPr/>
+      <dgm:t>
+        <a:bodyPr/>
+        <a:lstStyle/>
+        <a:p>
+          <a:r>
+            <a:rPr lang="en-US" dirty="0"/>
+            <a:t>shareTower2Group</a:t>
+          </a:r>
+          <a:endParaRPr lang="en-AU" dirty="0"/>
+        </a:p>
+      </dgm:t>
+    </dgm:pt>
+    <dgm:pt modelId="{BA08B595-13C5-4C6B-B4AD-18E0C64CF579}" type="parTrans" cxnId="{07CEFD69-BBEE-4B2D-A0B7-107BFF23AEFA}">
+      <dgm:prSet/>
+      <dgm:spPr/>
+    </dgm:pt>
+    <dgm:pt modelId="{375F181B-75CC-4ECA-8AFB-C0DE46C434E4}" type="sibTrans" cxnId="{07CEFD69-BBEE-4B2D-A0B7-107BFF23AEFA}">
+      <dgm:prSet/>
+      <dgm:spPr/>
+    </dgm:pt>
+    <dgm:pt modelId="{A06AEECA-CB57-4F56-82A2-D8C3819786EC}">
+      <dgm:prSet phldrT="[Text]"/>
+      <dgm:spPr/>
+      <dgm:t>
+        <a:bodyPr/>
+        <a:lstStyle/>
+        <a:p>
+          <a:r>
+            <a:rPr lang="en-US" dirty="0" err="1"/>
+            <a:t>Group:customer</a:t>
+          </a:r>
+          <a:r>
+            <a:rPr lang="en-US" dirty="0"/>
+            <a:t> user role</a:t>
+          </a:r>
+          <a:endParaRPr lang="en-AU" dirty="0"/>
+        </a:p>
+      </dgm:t>
+    </dgm:pt>
+    <dgm:pt modelId="{2B21BB1E-C239-4157-9579-2C298F559586}" type="parTrans" cxnId="{2FF7FDE9-79B5-45BA-8613-45468ECBEBD4}">
+      <dgm:prSet/>
+      <dgm:spPr/>
+    </dgm:pt>
+    <dgm:pt modelId="{7FC72AEE-5399-43CC-BC9C-4F957F323276}" type="sibTrans" cxnId="{2FF7FDE9-79B5-45BA-8613-45468ECBEBD4}">
+      <dgm:prSet/>
+      <dgm:spPr/>
+    </dgm:pt>
     <dgm:pt modelId="{CE2D900D-3577-4FDC-80D2-708DFEB280E7}" type="pres">
       <dgm:prSet presAssocID="{DC607544-B475-4530-8C94-F8A06647EFB7}" presName="hierChild1" presStyleCnt="0">
         <dgm:presLayoutVars>
@@ -1336,7 +1418,7 @@
       <dgm:spPr/>
     </dgm:pt>
     <dgm:pt modelId="{6FEBF3A6-A081-4149-AB33-D8C7E1B577C1}" type="pres">
-      <dgm:prSet presAssocID="{9A0A86BC-B57C-41A8-9AE5-A83599643DCD}" presName="Name23" presStyleLbl="parChTrans1D4" presStyleIdx="0" presStyleCnt="5"/>
+      <dgm:prSet presAssocID="{9A0A86BC-B57C-41A8-9AE5-A83599643DCD}" presName="Name23" presStyleLbl="parChTrans1D4" presStyleIdx="0" presStyleCnt="8"/>
       <dgm:spPr/>
     </dgm:pt>
     <dgm:pt modelId="{C101FABC-72C9-428B-ACC0-ADC6502A0E56}" type="pres">
@@ -1348,11 +1430,11 @@
       <dgm:spPr/>
     </dgm:pt>
     <dgm:pt modelId="{14D9D29E-31CE-4F45-A5D0-F3EDCE8FA373}" type="pres">
-      <dgm:prSet presAssocID="{9012C272-FD88-4062-B93B-D89B5D7D2B0B}" presName="background4" presStyleLbl="node4" presStyleIdx="0" presStyleCnt="5"/>
+      <dgm:prSet presAssocID="{9012C272-FD88-4062-B93B-D89B5D7D2B0B}" presName="background4" presStyleLbl="node4" presStyleIdx="0" presStyleCnt="8"/>
       <dgm:spPr/>
     </dgm:pt>
     <dgm:pt modelId="{07291448-D85E-4151-B514-F32840C6DEA9}" type="pres">
-      <dgm:prSet presAssocID="{9012C272-FD88-4062-B93B-D89B5D7D2B0B}" presName="text4" presStyleLbl="fgAcc4" presStyleIdx="0" presStyleCnt="5">
+      <dgm:prSet presAssocID="{9012C272-FD88-4062-B93B-D89B5D7D2B0B}" presName="text4" presStyleLbl="fgAcc4" presStyleIdx="0" presStyleCnt="8">
         <dgm:presLayoutVars>
           <dgm:chPref val="3"/>
         </dgm:presLayoutVars>
@@ -1364,7 +1446,7 @@
       <dgm:spPr/>
     </dgm:pt>
     <dgm:pt modelId="{76264EBD-BAC7-4A9F-A288-07AFD03BE125}" type="pres">
-      <dgm:prSet presAssocID="{43046721-1AE0-4B7B-8296-557F57844B11}" presName="Name23" presStyleLbl="parChTrans1D4" presStyleIdx="1" presStyleCnt="5"/>
+      <dgm:prSet presAssocID="{43046721-1AE0-4B7B-8296-557F57844B11}" presName="Name23" presStyleLbl="parChTrans1D4" presStyleIdx="1" presStyleCnt="8"/>
       <dgm:spPr/>
     </dgm:pt>
     <dgm:pt modelId="{259B1539-72EF-4FA3-BF38-F323D7DDFD7E}" type="pres">
@@ -1376,11 +1458,11 @@
       <dgm:spPr/>
     </dgm:pt>
     <dgm:pt modelId="{9E0431E5-426F-45AF-BE18-A3CF23F7B263}" type="pres">
-      <dgm:prSet presAssocID="{BB5C722E-6FBD-485D-B689-FF94D6596C69}" presName="background4" presStyleLbl="node4" presStyleIdx="1" presStyleCnt="5"/>
+      <dgm:prSet presAssocID="{BB5C722E-6FBD-485D-B689-FF94D6596C69}" presName="background4" presStyleLbl="node4" presStyleIdx="1" presStyleCnt="8"/>
       <dgm:spPr/>
     </dgm:pt>
     <dgm:pt modelId="{59A778B9-FD9F-42F7-AF88-C41018942970}" type="pres">
-      <dgm:prSet presAssocID="{BB5C722E-6FBD-485D-B689-FF94D6596C69}" presName="text4" presStyleLbl="fgAcc4" presStyleIdx="1" presStyleCnt="5">
+      <dgm:prSet presAssocID="{BB5C722E-6FBD-485D-B689-FF94D6596C69}" presName="text4" presStyleLbl="fgAcc4" presStyleIdx="1" presStyleCnt="8">
         <dgm:presLayoutVars>
           <dgm:chPref val="3"/>
         </dgm:presLayoutVars>
@@ -1392,7 +1474,7 @@
       <dgm:spPr/>
     </dgm:pt>
     <dgm:pt modelId="{5ADD0D92-D765-43A4-AE4C-D5E38ADC7009}" type="pres">
-      <dgm:prSet presAssocID="{A8C83993-68DB-4E6A-9003-68BB6DD874AE}" presName="Name23" presStyleLbl="parChTrans1D4" presStyleIdx="2" presStyleCnt="5"/>
+      <dgm:prSet presAssocID="{A8C83993-68DB-4E6A-9003-68BB6DD874AE}" presName="Name23" presStyleLbl="parChTrans1D4" presStyleIdx="2" presStyleCnt="8"/>
       <dgm:spPr/>
     </dgm:pt>
     <dgm:pt modelId="{C87D43F9-1B15-426A-B584-19D84F216B5D}" type="pres">
@@ -1404,11 +1486,11 @@
       <dgm:spPr/>
     </dgm:pt>
     <dgm:pt modelId="{6823474A-FD2C-43BA-B5A7-304FF94AB282}" type="pres">
-      <dgm:prSet presAssocID="{F00BE04E-79A6-451C-8FE5-0ACFDE04F730}" presName="background4" presStyleLbl="node4" presStyleIdx="2" presStyleCnt="5"/>
+      <dgm:prSet presAssocID="{F00BE04E-79A6-451C-8FE5-0ACFDE04F730}" presName="background4" presStyleLbl="node4" presStyleIdx="2" presStyleCnt="8"/>
       <dgm:spPr/>
     </dgm:pt>
     <dgm:pt modelId="{E3335CF4-CC2D-4479-9D52-1AEB9FB998B1}" type="pres">
-      <dgm:prSet presAssocID="{F00BE04E-79A6-451C-8FE5-0ACFDE04F730}" presName="text4" presStyleLbl="fgAcc4" presStyleIdx="2" presStyleCnt="5">
+      <dgm:prSet presAssocID="{F00BE04E-79A6-451C-8FE5-0ACFDE04F730}" presName="text4" presStyleLbl="fgAcc4" presStyleIdx="2" presStyleCnt="8">
         <dgm:presLayoutVars>
           <dgm:chPref val="3"/>
         </dgm:presLayoutVars>
@@ -1420,7 +1502,7 @@
       <dgm:spPr/>
     </dgm:pt>
     <dgm:pt modelId="{713EF538-4D83-4C40-91F0-2FB54040BF34}" type="pres">
-      <dgm:prSet presAssocID="{D6A6BC1C-51A9-4177-870F-1D151CC1D052}" presName="Name23" presStyleLbl="parChTrans1D4" presStyleIdx="3" presStyleCnt="5"/>
+      <dgm:prSet presAssocID="{D6A6BC1C-51A9-4177-870F-1D151CC1D052}" presName="Name23" presStyleLbl="parChTrans1D4" presStyleIdx="3" presStyleCnt="8"/>
       <dgm:spPr/>
     </dgm:pt>
     <dgm:pt modelId="{C7CD3F70-C462-4EFC-894F-C6E3A8E8B520}" type="pres">
@@ -1432,11 +1514,11 @@
       <dgm:spPr/>
     </dgm:pt>
     <dgm:pt modelId="{B0E747B4-7EF2-4EAB-95CE-87BA6A36C5B5}" type="pres">
-      <dgm:prSet presAssocID="{4C8593D9-8423-4FE8-84A0-DFC66A11F21D}" presName="background4" presStyleLbl="node4" presStyleIdx="3" presStyleCnt="5"/>
+      <dgm:prSet presAssocID="{4C8593D9-8423-4FE8-84A0-DFC66A11F21D}" presName="background4" presStyleLbl="node4" presStyleIdx="3" presStyleCnt="8"/>
       <dgm:spPr/>
     </dgm:pt>
     <dgm:pt modelId="{41709FA7-6BEE-4B88-86E0-4EE2E58AF1E9}" type="pres">
-      <dgm:prSet presAssocID="{4C8593D9-8423-4FE8-84A0-DFC66A11F21D}" presName="text4" presStyleLbl="fgAcc4" presStyleIdx="3" presStyleCnt="5">
+      <dgm:prSet presAssocID="{4C8593D9-8423-4FE8-84A0-DFC66A11F21D}" presName="text4" presStyleLbl="fgAcc4" presStyleIdx="3" presStyleCnt="8">
         <dgm:presLayoutVars>
           <dgm:chPref val="3"/>
         </dgm:presLayoutVars>
@@ -1447,59 +1529,152 @@
       <dgm:prSet presAssocID="{4C8593D9-8423-4FE8-84A0-DFC66A11F21D}" presName="hierChild5" presStyleCnt="0"/>
       <dgm:spPr/>
     </dgm:pt>
-    <dgm:pt modelId="{F49D52A9-C72A-48D8-9693-68020F391F76}" type="pres">
-      <dgm:prSet presAssocID="{4AA20818-E792-407F-B003-F673728E3BF1}" presName="Name23" presStyleLbl="parChTrans1D4" presStyleIdx="4" presStyleCnt="5"/>
-      <dgm:spPr/>
-    </dgm:pt>
-    <dgm:pt modelId="{66479E04-3665-4035-84DC-F43A2C0F1E1E}" type="pres">
-      <dgm:prSet presAssocID="{A54E8569-5F09-4DB4-A824-91F632A8DC2A}" presName="hierRoot4" presStyleCnt="0"/>
-      <dgm:spPr/>
-    </dgm:pt>
-    <dgm:pt modelId="{131ED820-238E-4A92-9B0B-8D6C232D734B}" type="pres">
-      <dgm:prSet presAssocID="{A54E8569-5F09-4DB4-A824-91F632A8DC2A}" presName="composite4" presStyleCnt="0"/>
-      <dgm:spPr/>
-    </dgm:pt>
-    <dgm:pt modelId="{805A6BF6-24C5-46D2-BA57-324029CBA060}" type="pres">
-      <dgm:prSet presAssocID="{A54E8569-5F09-4DB4-A824-91F632A8DC2A}" presName="background4" presStyleLbl="node4" presStyleIdx="4" presStyleCnt="5"/>
-      <dgm:spPr/>
-    </dgm:pt>
-    <dgm:pt modelId="{5BF64322-B64E-4912-B503-33754F38A8CE}" type="pres">
-      <dgm:prSet presAssocID="{A54E8569-5F09-4DB4-A824-91F632A8DC2A}" presName="text4" presStyleLbl="fgAcc4" presStyleIdx="4" presStyleCnt="5">
+    <dgm:pt modelId="{906F43CF-9C6A-4A9C-8F23-16986A08977A}" type="pres">
+      <dgm:prSet presAssocID="{2B21BB1E-C239-4157-9579-2C298F559586}" presName="Name23" presStyleLbl="parChTrans1D4" presStyleIdx="4" presStyleCnt="8"/>
+      <dgm:spPr/>
+    </dgm:pt>
+    <dgm:pt modelId="{7126D2D7-B473-4479-9BE8-9411FE451601}" type="pres">
+      <dgm:prSet presAssocID="{A06AEECA-CB57-4F56-82A2-D8C3819786EC}" presName="hierRoot4" presStyleCnt="0"/>
+      <dgm:spPr/>
+    </dgm:pt>
+    <dgm:pt modelId="{D712AA97-AE15-4F73-B112-3D2456DD1162}" type="pres">
+      <dgm:prSet presAssocID="{A06AEECA-CB57-4F56-82A2-D8C3819786EC}" presName="composite4" presStyleCnt="0"/>
+      <dgm:spPr/>
+    </dgm:pt>
+    <dgm:pt modelId="{D091EB34-D0FD-4D8C-A1BB-E659E18CB001}" type="pres">
+      <dgm:prSet presAssocID="{A06AEECA-CB57-4F56-82A2-D8C3819786EC}" presName="background4" presStyleLbl="node4" presStyleIdx="4" presStyleCnt="8"/>
+      <dgm:spPr/>
+    </dgm:pt>
+    <dgm:pt modelId="{21DD98E6-86A5-4C5E-83AC-9AB46C819FAC}" type="pres">
+      <dgm:prSet presAssocID="{A06AEECA-CB57-4F56-82A2-D8C3819786EC}" presName="text4" presStyleLbl="fgAcc4" presStyleIdx="4" presStyleCnt="8">
         <dgm:presLayoutVars>
           <dgm:chPref val="3"/>
         </dgm:presLayoutVars>
       </dgm:prSet>
       <dgm:spPr/>
     </dgm:pt>
+    <dgm:pt modelId="{F9DB58E8-AE46-4EEB-B365-689704FA1E4F}" type="pres">
+      <dgm:prSet presAssocID="{A06AEECA-CB57-4F56-82A2-D8C3819786EC}" presName="hierChild5" presStyleCnt="0"/>
+      <dgm:spPr/>
+    </dgm:pt>
+    <dgm:pt modelId="{F49D52A9-C72A-48D8-9693-68020F391F76}" type="pres">
+      <dgm:prSet presAssocID="{4AA20818-E792-407F-B003-F673728E3BF1}" presName="Name23" presStyleLbl="parChTrans1D4" presStyleIdx="5" presStyleCnt="8"/>
+      <dgm:spPr/>
+    </dgm:pt>
+    <dgm:pt modelId="{66479E04-3665-4035-84DC-F43A2C0F1E1E}" type="pres">
+      <dgm:prSet presAssocID="{A54E8569-5F09-4DB4-A824-91F632A8DC2A}" presName="hierRoot4" presStyleCnt="0"/>
+      <dgm:spPr/>
+    </dgm:pt>
+    <dgm:pt modelId="{131ED820-238E-4A92-9B0B-8D6C232D734B}" type="pres">
+      <dgm:prSet presAssocID="{A54E8569-5F09-4DB4-A824-91F632A8DC2A}" presName="composite4" presStyleCnt="0"/>
+      <dgm:spPr/>
+    </dgm:pt>
+    <dgm:pt modelId="{805A6BF6-24C5-46D2-BA57-324029CBA060}" type="pres">
+      <dgm:prSet presAssocID="{A54E8569-5F09-4DB4-A824-91F632A8DC2A}" presName="background4" presStyleLbl="node4" presStyleIdx="5" presStyleCnt="8"/>
+      <dgm:spPr/>
+    </dgm:pt>
+    <dgm:pt modelId="{5BF64322-B64E-4912-B503-33754F38A8CE}" type="pres">
+      <dgm:prSet presAssocID="{A54E8569-5F09-4DB4-A824-91F632A8DC2A}" presName="text4" presStyleLbl="fgAcc4" presStyleIdx="5" presStyleCnt="8">
+        <dgm:presLayoutVars>
+          <dgm:chPref val="3"/>
+        </dgm:presLayoutVars>
+      </dgm:prSet>
+      <dgm:spPr/>
+    </dgm:pt>
     <dgm:pt modelId="{0A21D0A8-CDAB-485B-8F3A-B3FA61C4A798}" type="pres">
       <dgm:prSet presAssocID="{A54E8569-5F09-4DB4-A824-91F632A8DC2A}" presName="hierChild5" presStyleCnt="0"/>
+      <dgm:spPr/>
+    </dgm:pt>
+    <dgm:pt modelId="{D1602B31-E688-46D4-A2FF-E338D9BBB98F}" type="pres">
+      <dgm:prSet presAssocID="{BA08B595-13C5-4C6B-B4AD-18E0C64CF579}" presName="Name23" presStyleLbl="parChTrans1D4" presStyleIdx="6" presStyleCnt="8"/>
+      <dgm:spPr/>
+    </dgm:pt>
+    <dgm:pt modelId="{F32A92CD-8204-4DE4-9972-DB37508FE7E4}" type="pres">
+      <dgm:prSet presAssocID="{5E133090-B5EC-4081-9D48-192FE992C7F6}" presName="hierRoot4" presStyleCnt="0"/>
+      <dgm:spPr/>
+    </dgm:pt>
+    <dgm:pt modelId="{2D86668B-D716-45C5-B212-385E751C7D1D}" type="pres">
+      <dgm:prSet presAssocID="{5E133090-B5EC-4081-9D48-192FE992C7F6}" presName="composite4" presStyleCnt="0"/>
+      <dgm:spPr/>
+    </dgm:pt>
+    <dgm:pt modelId="{16A40FEF-0CA5-4CDE-A17B-7FABF15EA442}" type="pres">
+      <dgm:prSet presAssocID="{5E133090-B5EC-4081-9D48-192FE992C7F6}" presName="background4" presStyleLbl="node4" presStyleIdx="6" presStyleCnt="8"/>
+      <dgm:spPr/>
+    </dgm:pt>
+    <dgm:pt modelId="{FEE7C012-FA89-4C64-A893-DB1EE54A2029}" type="pres">
+      <dgm:prSet presAssocID="{5E133090-B5EC-4081-9D48-192FE992C7F6}" presName="text4" presStyleLbl="fgAcc4" presStyleIdx="6" presStyleCnt="8">
+        <dgm:presLayoutVars>
+          <dgm:chPref val="3"/>
+        </dgm:presLayoutVars>
+      </dgm:prSet>
+      <dgm:spPr/>
+    </dgm:pt>
+    <dgm:pt modelId="{0A00F585-AD96-45EA-8904-10B82E539C02}" type="pres">
+      <dgm:prSet presAssocID="{5E133090-B5EC-4081-9D48-192FE992C7F6}" presName="hierChild5" presStyleCnt="0"/>
+      <dgm:spPr/>
+    </dgm:pt>
+    <dgm:pt modelId="{30F0B80B-B337-4382-9486-4E2960596B52}" type="pres">
+      <dgm:prSet presAssocID="{62A55889-054C-45A5-BC6C-67931AB15CD5}" presName="Name23" presStyleLbl="parChTrans1D4" presStyleIdx="7" presStyleCnt="8"/>
+      <dgm:spPr/>
+    </dgm:pt>
+    <dgm:pt modelId="{6835734D-3813-4308-AC44-E6DA858B35C9}" type="pres">
+      <dgm:prSet presAssocID="{D2E1733B-4AC0-403A-B9F0-F76EE35E1082}" presName="hierRoot4" presStyleCnt="0"/>
+      <dgm:spPr/>
+    </dgm:pt>
+    <dgm:pt modelId="{D514E8FE-7A8D-4ED2-ADA0-2918EF0B2DF9}" type="pres">
+      <dgm:prSet presAssocID="{D2E1733B-4AC0-403A-B9F0-F76EE35E1082}" presName="composite4" presStyleCnt="0"/>
+      <dgm:spPr/>
+    </dgm:pt>
+    <dgm:pt modelId="{1BA6D456-DB71-468B-9C08-2811F1BB4C7E}" type="pres">
+      <dgm:prSet presAssocID="{D2E1733B-4AC0-403A-B9F0-F76EE35E1082}" presName="background4" presStyleLbl="node4" presStyleIdx="7" presStyleCnt="8"/>
+      <dgm:spPr/>
+    </dgm:pt>
+    <dgm:pt modelId="{A6194213-EC37-4C06-8347-F4734EE1A53A}" type="pres">
+      <dgm:prSet presAssocID="{D2E1733B-4AC0-403A-B9F0-F76EE35E1082}" presName="text4" presStyleLbl="fgAcc4" presStyleIdx="7" presStyleCnt="8">
+        <dgm:presLayoutVars>
+          <dgm:chPref val="3"/>
+        </dgm:presLayoutVars>
+      </dgm:prSet>
+      <dgm:spPr/>
+    </dgm:pt>
+    <dgm:pt modelId="{98FE860C-6B1E-4386-BF86-E50D8514BA0E}" type="pres">
+      <dgm:prSet presAssocID="{D2E1733B-4AC0-403A-B9F0-F76EE35E1082}" presName="hierChild5" presStyleCnt="0"/>
       <dgm:spPr/>
     </dgm:pt>
   </dgm:ptLst>
   <dgm:cxnLst>
     <dgm:cxn modelId="{ACCFF909-C977-4103-9EFE-328E536D2A3A}" srcId="{11F39219-17AB-4B44-9DA8-90CB201F8494}" destId="{39269113-569A-4587-8E86-B13B9777E6C5}" srcOrd="1" destOrd="0" parTransId="{101454C2-7EBD-4229-AB16-53B621A6956F}" sibTransId="{8C9B6722-3384-4905-B23A-C50D52D71029}"/>
-    <dgm:cxn modelId="{40A6FE10-707D-4226-8E96-D535B1CF0DD5}" type="presOf" srcId="{A54E8569-5F09-4DB4-A824-91F632A8DC2A}" destId="{5BF64322-B64E-4912-B503-33754F38A8CE}" srcOrd="0" destOrd="0" presId="urn:microsoft.com/office/officeart/2005/8/layout/hierarchy1"/>
     <dgm:cxn modelId="{B3A0E012-A8B8-458E-A241-FCDBE62F6D5A}" type="presOf" srcId="{F00BE04E-79A6-451C-8FE5-0ACFDE04F730}" destId="{E3335CF4-CC2D-4479-9D52-1AEB9FB998B1}" srcOrd="0" destOrd="0" presId="urn:microsoft.com/office/officeart/2005/8/layout/hierarchy1"/>
     <dgm:cxn modelId="{F77CE226-1896-4B3D-9028-8F78F6EF4FE3}" srcId="{39269113-569A-4587-8E86-B13B9777E6C5}" destId="{9012C272-FD88-4062-B93B-D89B5D7D2B0B}" srcOrd="0" destOrd="0" parTransId="{9A0A86BC-B57C-41A8-9AE5-A83599643DCD}" sibTransId="{7812D2D4-CC75-4D0B-BB97-DD2E228199CF}"/>
     <dgm:cxn modelId="{B1D8EB2C-05B8-4F25-9F44-F480D33C8562}" type="presOf" srcId="{101454C2-7EBD-4229-AB16-53B621A6956F}" destId="{DC02FA63-22A8-4984-AADD-1C676F4DC204}" srcOrd="0" destOrd="0" presId="urn:microsoft.com/office/officeart/2005/8/layout/hierarchy1"/>
+    <dgm:cxn modelId="{4B2B293C-F313-4450-BB0D-1264FC2BBF7F}" type="presOf" srcId="{BA08B595-13C5-4C6B-B4AD-18E0C64CF579}" destId="{D1602B31-E688-46D4-A2FF-E338D9BBB98F}" srcOrd="0" destOrd="0" presId="urn:microsoft.com/office/officeart/2005/8/layout/hierarchy1"/>
     <dgm:cxn modelId="{2236B53F-5DFE-430B-904E-D0B3A3B92847}" type="presOf" srcId="{75858199-61E2-4CA5-8B24-B7E9E9B1185F}" destId="{539F9E2A-9AFF-4820-A799-91AF6F07215A}" srcOrd="0" destOrd="0" presId="urn:microsoft.com/office/officeart/2005/8/layout/hierarchy1"/>
     <dgm:cxn modelId="{57198D5E-EF55-4897-8E93-B7CA78B6222E}" srcId="{DC607544-B475-4530-8C94-F8A06647EFB7}" destId="{75858199-61E2-4CA5-8B24-B7E9E9B1185F}" srcOrd="0" destOrd="0" parTransId="{791CA254-F56B-4F8C-AEA6-A66DCB13D9B7}" sibTransId="{B94FC1E2-CBC2-4E95-B9A0-2D3ED83382FD}"/>
     <dgm:cxn modelId="{450CF760-6CC8-4278-85F1-D8B37EA14F4D}" type="presOf" srcId="{DC607544-B475-4530-8C94-F8A06647EFB7}" destId="{CE2D900D-3577-4FDC-80D2-708DFEB280E7}" srcOrd="0" destOrd="0" presId="urn:microsoft.com/office/officeart/2005/8/layout/hierarchy1"/>
+    <dgm:cxn modelId="{07CEFD69-BBEE-4B2D-A0B7-107BFF23AEFA}" srcId="{39269113-569A-4587-8E86-B13B9777E6C5}" destId="{5E133090-B5EC-4081-9D48-192FE992C7F6}" srcOrd="5" destOrd="0" parTransId="{BA08B595-13C5-4C6B-B4AD-18E0C64CF579}" sibTransId="{375F181B-75CC-4ECA-8AFB-C0DE46C434E4}"/>
+    <dgm:cxn modelId="{6B10036D-1E31-444B-A6FB-DB79D670EA57}" srcId="{5E133090-B5EC-4081-9D48-192FE992C7F6}" destId="{D2E1733B-4AC0-403A-B9F0-F76EE35E1082}" srcOrd="0" destOrd="0" parTransId="{62A55889-054C-45A5-BC6C-67931AB15CD5}" sibTransId="{B3464109-4536-4CD6-9AF7-89B84DCA6916}"/>
     <dgm:cxn modelId="{81616B4F-8984-451C-83BE-425002F3EC99}" srcId="{39269113-569A-4587-8E86-B13B9777E6C5}" destId="{4C8593D9-8423-4FE8-84A0-DFC66A11F21D}" srcOrd="3" destOrd="0" parTransId="{D6A6BC1C-51A9-4177-870F-1D151CC1D052}" sibTransId="{81451040-1F43-4F9F-BD68-1DFE284124C4}"/>
     <dgm:cxn modelId="{91767F6F-2C97-4A48-A2EA-37FEB23B626F}" type="presOf" srcId="{4C8593D9-8423-4FE8-84A0-DFC66A11F21D}" destId="{41709FA7-6BEE-4B88-86E0-4EE2E58AF1E9}" srcOrd="0" destOrd="0" presId="urn:microsoft.com/office/officeart/2005/8/layout/hierarchy1"/>
     <dgm:cxn modelId="{38B2AD4F-83E9-4C14-9AAE-010105FB1FFF}" type="presOf" srcId="{39269113-569A-4587-8E86-B13B9777E6C5}" destId="{F7B50339-5FA8-41EE-91B9-2551CE1BD6BC}" srcOrd="0" destOrd="0" presId="urn:microsoft.com/office/officeart/2005/8/layout/hierarchy1"/>
     <dgm:cxn modelId="{B3B8AE58-3AB3-42F6-A2FC-5DD24B9E7998}" srcId="{75858199-61E2-4CA5-8B24-B7E9E9B1185F}" destId="{11F39219-17AB-4B44-9DA8-90CB201F8494}" srcOrd="0" destOrd="0" parTransId="{D39DDB5B-1786-4FD6-82E3-D57D32579E6E}" sibTransId="{4A9D5D82-6CDD-4D65-AEF1-C76DE3E7EA7E}"/>
+    <dgm:cxn modelId="{208DD458-BC2D-46D0-9A5B-7904576D937D}" type="presOf" srcId="{4AA20818-E792-407F-B003-F673728E3BF1}" destId="{F49D52A9-C72A-48D8-9693-68020F391F76}" srcOrd="0" destOrd="0" presId="urn:microsoft.com/office/officeart/2005/8/layout/hierarchy1"/>
     <dgm:cxn modelId="{076ABC79-9DC0-4F62-9006-F7FFE178007D}" type="presOf" srcId="{D39DDB5B-1786-4FD6-82E3-D57D32579E6E}" destId="{9CA58F84-80CD-49CD-A64F-8FA651DDAAFE}" srcOrd="0" destOrd="0" presId="urn:microsoft.com/office/officeart/2005/8/layout/hierarchy1"/>
+    <dgm:cxn modelId="{0A38BC7D-E8CA-41A0-8300-19E6CDD774C2}" type="presOf" srcId="{A06AEECA-CB57-4F56-82A2-D8C3819786EC}" destId="{21DD98E6-86A5-4C5E-83AC-9AB46C819FAC}" srcOrd="0" destOrd="0" presId="urn:microsoft.com/office/officeart/2005/8/layout/hierarchy1"/>
     <dgm:cxn modelId="{FF61E07E-B8C0-4BEF-98FB-3D5B652C824F}" type="presOf" srcId="{A8C83993-68DB-4E6A-9003-68BB6DD874AE}" destId="{5ADD0D92-D765-43A4-AE4C-D5E38ADC7009}" srcOrd="0" destOrd="0" presId="urn:microsoft.com/office/officeart/2005/8/layout/hierarchy1"/>
+    <dgm:cxn modelId="{D06A6E81-D055-47D6-928C-6E53E45C1CC2}" type="presOf" srcId="{2B21BB1E-C239-4157-9579-2C298F559586}" destId="{906F43CF-9C6A-4A9C-8F23-16986A08977A}" srcOrd="0" destOrd="0" presId="urn:microsoft.com/office/officeart/2005/8/layout/hierarchy1"/>
+    <dgm:cxn modelId="{0A58D38B-961E-4E71-B129-6A56A3EAE3DC}" type="presOf" srcId="{5E133090-B5EC-4081-9D48-192FE992C7F6}" destId="{FEE7C012-FA89-4C64-A893-DB1EE54A2029}" srcOrd="0" destOrd="0" presId="urn:microsoft.com/office/officeart/2005/8/layout/hierarchy1"/>
     <dgm:cxn modelId="{37459A8D-13CE-4511-B17E-D17648BFCC35}" type="presOf" srcId="{43046721-1AE0-4B7B-8296-557F57844B11}" destId="{76264EBD-BAC7-4A9F-A288-07AFD03BE125}" srcOrd="0" destOrd="0" presId="urn:microsoft.com/office/officeart/2005/8/layout/hierarchy1"/>
-    <dgm:cxn modelId="{E2CDB19C-0F5B-413A-B5D6-DAA25E86F009}" type="presOf" srcId="{4AA20818-E792-407F-B003-F673728E3BF1}" destId="{F49D52A9-C72A-48D8-9693-68020F391F76}" srcOrd="0" destOrd="0" presId="urn:microsoft.com/office/officeart/2005/8/layout/hierarchy1"/>
     <dgm:cxn modelId="{E6A43BAC-246C-418A-A3D7-2B6A8419F9D3}" type="presOf" srcId="{58D4F23E-9D6D-4DED-B5E6-A278723C94D4}" destId="{024A1CDE-D2EA-4A6F-8DFC-DDF25EA9A87F}" srcOrd="0" destOrd="0" presId="urn:microsoft.com/office/officeart/2005/8/layout/hierarchy1"/>
     <dgm:cxn modelId="{2E4598BB-A51E-40A6-B438-DE3531A7CC7E}" type="presOf" srcId="{BB5C722E-6FBD-485D-B689-FF94D6596C69}" destId="{59A778B9-FD9F-42F7-AF88-C41018942970}" srcOrd="0" destOrd="0" presId="urn:microsoft.com/office/officeart/2005/8/layout/hierarchy1"/>
-    <dgm:cxn modelId="{500A8ED2-A58E-4476-825D-A9FBEA43D68F}" srcId="{39269113-569A-4587-8E86-B13B9777E6C5}" destId="{A54E8569-5F09-4DB4-A824-91F632A8DC2A}" srcOrd="4" destOrd="0" parTransId="{4AA20818-E792-407F-B003-F673728E3BF1}" sibTransId="{C7ED6E6F-1D53-4F1D-A12E-28BA6D109367}"/>
+    <dgm:cxn modelId="{A901FBC7-2B39-42D5-92CC-D78ADD5BD65D}" type="presOf" srcId="{62A55889-054C-45A5-BC6C-67931AB15CD5}" destId="{30F0B80B-B337-4382-9486-4E2960596B52}" srcOrd="0" destOrd="0" presId="urn:microsoft.com/office/officeart/2005/8/layout/hierarchy1"/>
+    <dgm:cxn modelId="{7408D6CE-576A-49A2-8E01-DA06401A7BD9}" type="presOf" srcId="{A54E8569-5F09-4DB4-A824-91F632A8DC2A}" destId="{5BF64322-B64E-4912-B503-33754F38A8CE}" srcOrd="0" destOrd="0" presId="urn:microsoft.com/office/officeart/2005/8/layout/hierarchy1"/>
+    <dgm:cxn modelId="{500A8ED2-A58E-4476-825D-A9FBEA43D68F}" srcId="{A06AEECA-CB57-4F56-82A2-D8C3819786EC}" destId="{A54E8569-5F09-4DB4-A824-91F632A8DC2A}" srcOrd="0" destOrd="0" parTransId="{4AA20818-E792-407F-B003-F673728E3BF1}" sibTransId="{C7ED6E6F-1D53-4F1D-A12E-28BA6D109367}"/>
     <dgm:cxn modelId="{E839C0D2-1AC5-407B-AB00-7F560907ABD6}" type="presOf" srcId="{9012C272-FD88-4062-B93B-D89B5D7D2B0B}" destId="{07291448-D85E-4151-B514-F32840C6DEA9}" srcOrd="0" destOrd="0" presId="urn:microsoft.com/office/officeart/2005/8/layout/hierarchy1"/>
     <dgm:cxn modelId="{45AE11D3-BDCF-4746-B2CB-FDB37405A184}" srcId="{39269113-569A-4587-8E86-B13B9777E6C5}" destId="{BB5C722E-6FBD-485D-B689-FF94D6596C69}" srcOrd="1" destOrd="0" parTransId="{43046721-1AE0-4B7B-8296-557F57844B11}" sibTransId="{1092C3FE-F178-40D6-BF76-2C5072AAAAB3}"/>
     <dgm:cxn modelId="{29DA87DB-7D05-4586-A6CA-ECF9469C1246}" type="presOf" srcId="{9A0A86BC-B57C-41A8-9AE5-A83599643DCD}" destId="{6FEBF3A6-A081-4149-AB33-D8C7E1B577C1}" srcOrd="0" destOrd="0" presId="urn:microsoft.com/office/officeart/2005/8/layout/hierarchy1"/>
+    <dgm:cxn modelId="{18E5FFE3-FAD4-40A1-89D3-EA1B755C21B3}" type="presOf" srcId="{D2E1733B-4AC0-403A-B9F0-F76EE35E1082}" destId="{A6194213-EC37-4C06-8347-F4734EE1A53A}" srcOrd="0" destOrd="0" presId="urn:microsoft.com/office/officeart/2005/8/layout/hierarchy1"/>
     <dgm:cxn modelId="{F0C905E8-4D6B-44CB-A32A-A20D16E510CA}" srcId="{39269113-569A-4587-8E86-B13B9777E6C5}" destId="{F00BE04E-79A6-451C-8FE5-0ACFDE04F730}" srcOrd="2" destOrd="0" parTransId="{A8C83993-68DB-4E6A-9003-68BB6DD874AE}" sibTransId="{87F2D00D-78B7-45B0-A6F7-4E5DE1BC9978}"/>
+    <dgm:cxn modelId="{2FF7FDE9-79B5-45BA-8613-45468ECBEBD4}" srcId="{39269113-569A-4587-8E86-B13B9777E6C5}" destId="{A06AEECA-CB57-4F56-82A2-D8C3819786EC}" srcOrd="4" destOrd="0" parTransId="{2B21BB1E-C239-4157-9579-2C298F559586}" sibTransId="{7FC72AEE-5399-43CC-BC9C-4F957F323276}"/>
     <dgm:cxn modelId="{B3E3DAEB-F2A6-471C-BBBB-CB3CF19082B3}" srcId="{11F39219-17AB-4B44-9DA8-90CB201F8494}" destId="{42565FAE-969B-4FF3-91F8-5D341A1CB0B4}" srcOrd="0" destOrd="0" parTransId="{58D4F23E-9D6D-4DED-B5E6-A278723C94D4}" sibTransId="{10B89FAC-C231-401D-8FEA-9CEB2D64C52A}"/>
     <dgm:cxn modelId="{18D51BEC-CEF0-4863-9A46-3172AF7D146D}" type="presOf" srcId="{42565FAE-969B-4FF3-91F8-5D341A1CB0B4}" destId="{A4CE00CA-36BC-4E26-9E39-FBB1161881E6}" srcOrd="0" destOrd="0" presId="urn:microsoft.com/office/officeart/2005/8/layout/hierarchy1"/>
     <dgm:cxn modelId="{8C1874EC-61AB-4787-A824-BDB55967831A}" type="presOf" srcId="{D6A6BC1C-51A9-4177-870F-1D151CC1D052}" destId="{713EF538-4D83-4C40-91F0-2FB54040BF34}" srcOrd="0" destOrd="0" presId="urn:microsoft.com/office/officeart/2005/8/layout/hierarchy1"/>
@@ -1551,12 +1726,30 @@
     <dgm:cxn modelId="{A2D45721-3F6F-45F6-A23C-3DCF4668C1BB}" type="presParOf" srcId="{813827B2-9159-48F9-AB30-A15A2ED2862D}" destId="{B0E747B4-7EF2-4EAB-95CE-87BA6A36C5B5}" srcOrd="0" destOrd="0" presId="urn:microsoft.com/office/officeart/2005/8/layout/hierarchy1"/>
     <dgm:cxn modelId="{6B45A09A-9CFB-4BEF-902A-3226C22E03C3}" type="presParOf" srcId="{813827B2-9159-48F9-AB30-A15A2ED2862D}" destId="{41709FA7-6BEE-4B88-86E0-4EE2E58AF1E9}" srcOrd="1" destOrd="0" presId="urn:microsoft.com/office/officeart/2005/8/layout/hierarchy1"/>
     <dgm:cxn modelId="{8CCC2A82-E12D-4B2F-90DE-AD32FD92AFD2}" type="presParOf" srcId="{C7CD3F70-C462-4EFC-894F-C6E3A8E8B520}" destId="{CB072BF1-E4FF-4B3B-ADA8-E378EBF4A21C}" srcOrd="1" destOrd="0" presId="urn:microsoft.com/office/officeart/2005/8/layout/hierarchy1"/>
-    <dgm:cxn modelId="{DC0809AF-3FBC-4EA7-8EBB-19D52B0E4F24}" type="presParOf" srcId="{00CE36C3-A226-47F2-A2A9-FEC56DEF7062}" destId="{F49D52A9-C72A-48D8-9693-68020F391F76}" srcOrd="8" destOrd="0" presId="urn:microsoft.com/office/officeart/2005/8/layout/hierarchy1"/>
-    <dgm:cxn modelId="{F622BE4C-E069-45D5-B136-130A04A40A96}" type="presParOf" srcId="{00CE36C3-A226-47F2-A2A9-FEC56DEF7062}" destId="{66479E04-3665-4035-84DC-F43A2C0F1E1E}" srcOrd="9" destOrd="0" presId="urn:microsoft.com/office/officeart/2005/8/layout/hierarchy1"/>
-    <dgm:cxn modelId="{16CF7327-48EB-4EE7-A7BD-C394C7371933}" type="presParOf" srcId="{66479E04-3665-4035-84DC-F43A2C0F1E1E}" destId="{131ED820-238E-4A92-9B0B-8D6C232D734B}" srcOrd="0" destOrd="0" presId="urn:microsoft.com/office/officeart/2005/8/layout/hierarchy1"/>
-    <dgm:cxn modelId="{FCEF1EA7-246D-45D1-8911-DAB932FE5921}" type="presParOf" srcId="{131ED820-238E-4A92-9B0B-8D6C232D734B}" destId="{805A6BF6-24C5-46D2-BA57-324029CBA060}" srcOrd="0" destOrd="0" presId="urn:microsoft.com/office/officeart/2005/8/layout/hierarchy1"/>
-    <dgm:cxn modelId="{02C28D86-210E-463C-9785-DB354F9CDF2A}" type="presParOf" srcId="{131ED820-238E-4A92-9B0B-8D6C232D734B}" destId="{5BF64322-B64E-4912-B503-33754F38A8CE}" srcOrd="1" destOrd="0" presId="urn:microsoft.com/office/officeart/2005/8/layout/hierarchy1"/>
-    <dgm:cxn modelId="{E85E0883-3368-44AD-A310-3FC2EDB4B602}" type="presParOf" srcId="{66479E04-3665-4035-84DC-F43A2C0F1E1E}" destId="{0A21D0A8-CDAB-485B-8F3A-B3FA61C4A798}" srcOrd="1" destOrd="0" presId="urn:microsoft.com/office/officeart/2005/8/layout/hierarchy1"/>
+    <dgm:cxn modelId="{36A6E413-34D3-4248-A89A-1534C54F1FBC}" type="presParOf" srcId="{00CE36C3-A226-47F2-A2A9-FEC56DEF7062}" destId="{906F43CF-9C6A-4A9C-8F23-16986A08977A}" srcOrd="8" destOrd="0" presId="urn:microsoft.com/office/officeart/2005/8/layout/hierarchy1"/>
+    <dgm:cxn modelId="{B2F0F1D6-A186-4F48-9195-F96C9CA02E16}" type="presParOf" srcId="{00CE36C3-A226-47F2-A2A9-FEC56DEF7062}" destId="{7126D2D7-B473-4479-9BE8-9411FE451601}" srcOrd="9" destOrd="0" presId="urn:microsoft.com/office/officeart/2005/8/layout/hierarchy1"/>
+    <dgm:cxn modelId="{18091B87-7E9C-4DFB-9F94-0101467D0B23}" type="presParOf" srcId="{7126D2D7-B473-4479-9BE8-9411FE451601}" destId="{D712AA97-AE15-4F73-B112-3D2456DD1162}" srcOrd="0" destOrd="0" presId="urn:microsoft.com/office/officeart/2005/8/layout/hierarchy1"/>
+    <dgm:cxn modelId="{C88D9BC0-AE8C-45EA-9B64-0E185694CB3C}" type="presParOf" srcId="{D712AA97-AE15-4F73-B112-3D2456DD1162}" destId="{D091EB34-D0FD-4D8C-A1BB-E659E18CB001}" srcOrd="0" destOrd="0" presId="urn:microsoft.com/office/officeart/2005/8/layout/hierarchy1"/>
+    <dgm:cxn modelId="{97012C57-0E72-46DC-98C8-B3993DF43762}" type="presParOf" srcId="{D712AA97-AE15-4F73-B112-3D2456DD1162}" destId="{21DD98E6-86A5-4C5E-83AC-9AB46C819FAC}" srcOrd="1" destOrd="0" presId="urn:microsoft.com/office/officeart/2005/8/layout/hierarchy1"/>
+    <dgm:cxn modelId="{EFAD3B6B-8449-4BEE-96E2-5BFD4C824F94}" type="presParOf" srcId="{7126D2D7-B473-4479-9BE8-9411FE451601}" destId="{F9DB58E8-AE46-4EEB-B365-689704FA1E4F}" srcOrd="1" destOrd="0" presId="urn:microsoft.com/office/officeart/2005/8/layout/hierarchy1"/>
+    <dgm:cxn modelId="{FBF16166-852C-44F2-BCCB-62893632AB2B}" type="presParOf" srcId="{F9DB58E8-AE46-4EEB-B365-689704FA1E4F}" destId="{F49D52A9-C72A-48D8-9693-68020F391F76}" srcOrd="0" destOrd="0" presId="urn:microsoft.com/office/officeart/2005/8/layout/hierarchy1"/>
+    <dgm:cxn modelId="{64CAEE1B-18B4-4F58-BCDE-3FBA5C3FC603}" type="presParOf" srcId="{F9DB58E8-AE46-4EEB-B365-689704FA1E4F}" destId="{66479E04-3665-4035-84DC-F43A2C0F1E1E}" srcOrd="1" destOrd="0" presId="urn:microsoft.com/office/officeart/2005/8/layout/hierarchy1"/>
+    <dgm:cxn modelId="{1D3DCC41-3AA9-4339-AEA0-48A8C6124C5F}" type="presParOf" srcId="{66479E04-3665-4035-84DC-F43A2C0F1E1E}" destId="{131ED820-238E-4A92-9B0B-8D6C232D734B}" srcOrd="0" destOrd="0" presId="urn:microsoft.com/office/officeart/2005/8/layout/hierarchy1"/>
+    <dgm:cxn modelId="{041342CF-9FA8-4B96-9C73-ACAAC84481F7}" type="presParOf" srcId="{131ED820-238E-4A92-9B0B-8D6C232D734B}" destId="{805A6BF6-24C5-46D2-BA57-324029CBA060}" srcOrd="0" destOrd="0" presId="urn:microsoft.com/office/officeart/2005/8/layout/hierarchy1"/>
+    <dgm:cxn modelId="{F0A0C1F3-19B3-4016-85CB-E56E74619E07}" type="presParOf" srcId="{131ED820-238E-4A92-9B0B-8D6C232D734B}" destId="{5BF64322-B64E-4912-B503-33754F38A8CE}" srcOrd="1" destOrd="0" presId="urn:microsoft.com/office/officeart/2005/8/layout/hierarchy1"/>
+    <dgm:cxn modelId="{94B66BBB-CC70-4873-B41F-0A5A30E153A8}" type="presParOf" srcId="{66479E04-3665-4035-84DC-F43A2C0F1E1E}" destId="{0A21D0A8-CDAB-485B-8F3A-B3FA61C4A798}" srcOrd="1" destOrd="0" presId="urn:microsoft.com/office/officeart/2005/8/layout/hierarchy1"/>
+    <dgm:cxn modelId="{AD0070F3-6B58-4C30-9A24-E8636BA8104A}" type="presParOf" srcId="{00CE36C3-A226-47F2-A2A9-FEC56DEF7062}" destId="{D1602B31-E688-46D4-A2FF-E338D9BBB98F}" srcOrd="10" destOrd="0" presId="urn:microsoft.com/office/officeart/2005/8/layout/hierarchy1"/>
+    <dgm:cxn modelId="{5B135A8A-FF9E-4B0F-815D-4DF587D7DA15}" type="presParOf" srcId="{00CE36C3-A226-47F2-A2A9-FEC56DEF7062}" destId="{F32A92CD-8204-4DE4-9972-DB37508FE7E4}" srcOrd="11" destOrd="0" presId="urn:microsoft.com/office/officeart/2005/8/layout/hierarchy1"/>
+    <dgm:cxn modelId="{C9112EC1-839E-4EF9-90A8-98A245F54975}" type="presParOf" srcId="{F32A92CD-8204-4DE4-9972-DB37508FE7E4}" destId="{2D86668B-D716-45C5-B212-385E751C7D1D}" srcOrd="0" destOrd="0" presId="urn:microsoft.com/office/officeart/2005/8/layout/hierarchy1"/>
+    <dgm:cxn modelId="{E53D9560-BA41-4A63-AE56-FCAA9FFB8C0E}" type="presParOf" srcId="{2D86668B-D716-45C5-B212-385E751C7D1D}" destId="{16A40FEF-0CA5-4CDE-A17B-7FABF15EA442}" srcOrd="0" destOrd="0" presId="urn:microsoft.com/office/officeart/2005/8/layout/hierarchy1"/>
+    <dgm:cxn modelId="{F7E3A912-AE1E-4377-A9A9-105D2A9479A0}" type="presParOf" srcId="{2D86668B-D716-45C5-B212-385E751C7D1D}" destId="{FEE7C012-FA89-4C64-A893-DB1EE54A2029}" srcOrd="1" destOrd="0" presId="urn:microsoft.com/office/officeart/2005/8/layout/hierarchy1"/>
+    <dgm:cxn modelId="{06F923EC-FDA1-4904-9826-F78D81A3EBD8}" type="presParOf" srcId="{F32A92CD-8204-4DE4-9972-DB37508FE7E4}" destId="{0A00F585-AD96-45EA-8904-10B82E539C02}" srcOrd="1" destOrd="0" presId="urn:microsoft.com/office/officeart/2005/8/layout/hierarchy1"/>
+    <dgm:cxn modelId="{7C6D3983-386F-4DEA-A09E-BFFEC8C3023F}" type="presParOf" srcId="{0A00F585-AD96-45EA-8904-10B82E539C02}" destId="{30F0B80B-B337-4382-9486-4E2960596B52}" srcOrd="0" destOrd="0" presId="urn:microsoft.com/office/officeart/2005/8/layout/hierarchy1"/>
+    <dgm:cxn modelId="{2A28B79D-274C-451A-A848-B13D7B54046E}" type="presParOf" srcId="{0A00F585-AD96-45EA-8904-10B82E539C02}" destId="{6835734D-3813-4308-AC44-E6DA858B35C9}" srcOrd="1" destOrd="0" presId="urn:microsoft.com/office/officeart/2005/8/layout/hierarchy1"/>
+    <dgm:cxn modelId="{50E7FF03-C658-4B3B-A001-4EF3AF1D379B}" type="presParOf" srcId="{6835734D-3813-4308-AC44-E6DA858B35C9}" destId="{D514E8FE-7A8D-4ED2-ADA0-2918EF0B2DF9}" srcOrd="0" destOrd="0" presId="urn:microsoft.com/office/officeart/2005/8/layout/hierarchy1"/>
+    <dgm:cxn modelId="{817C1D7C-00B3-46AB-8019-0429E1915045}" type="presParOf" srcId="{D514E8FE-7A8D-4ED2-ADA0-2918EF0B2DF9}" destId="{1BA6D456-DB71-468B-9C08-2811F1BB4C7E}" srcOrd="0" destOrd="0" presId="urn:microsoft.com/office/officeart/2005/8/layout/hierarchy1"/>
+    <dgm:cxn modelId="{FFE043E2-2F48-49D4-A1EC-24D6004792CA}" type="presParOf" srcId="{D514E8FE-7A8D-4ED2-ADA0-2918EF0B2DF9}" destId="{A6194213-EC37-4C06-8347-F4734EE1A53A}" srcOrd="1" destOrd="0" presId="urn:microsoft.com/office/officeart/2005/8/layout/hierarchy1"/>
+    <dgm:cxn modelId="{1D578655-DFEB-4F26-BB58-BD906DBC32BC}" type="presParOf" srcId="{6835734D-3813-4308-AC44-E6DA858B35C9}" destId="{98FE860C-6B1E-4386-BF86-E50D8514BA0E}" srcOrd="1" destOrd="0" presId="urn:microsoft.com/office/officeart/2005/8/layout/hierarchy1"/>
   </dgm:cxnLst>
   <dgm:bg/>
   <dgm:whole/>
@@ -1576,15 +1769,15 @@
       <dsp:cNvGrpSpPr/>
     </dsp:nvGrpSpPr>
     <dsp:grpSpPr/>
-    <dsp:sp modelId="{F49D52A9-C72A-48D8-9693-68020F391F76}">
+    <dsp:sp modelId="{30F0B80B-B337-4382-9486-4E2960596B52}">
       <dsp:nvSpPr>
         <dsp:cNvPr id="0" name=""/>
         <dsp:cNvSpPr/>
       </dsp:nvSpPr>
       <dsp:spPr>
         <a:xfrm>
-          <a:off x="4708199" y="4487500"/>
-          <a:ext cx="3905971" cy="464721"/>
+          <a:off x="8735455" y="4905946"/>
+          <a:ext cx="91440" cy="386246"/>
         </a:xfrm>
         <a:custGeom>
           <a:avLst/>
@@ -1595,16 +1788,10 @@
           <a:pathLst>
             <a:path>
               <a:moveTo>
-                <a:pt x="0" y="0"/>
+                <a:pt x="45720" y="0"/>
               </a:moveTo>
               <a:lnTo>
-                <a:pt x="0" y="316694"/>
-              </a:lnTo>
-              <a:lnTo>
-                <a:pt x="3905971" y="316694"/>
-              </a:lnTo>
-              <a:lnTo>
-                <a:pt x="3905971" y="464721"/>
+                <a:pt x="45720" y="386246"/>
               </a:lnTo>
             </a:path>
           </a:pathLst>
@@ -1638,15 +1825,15 @@
         <a:fontRef idx="minor"/>
       </dsp:style>
     </dsp:sp>
-    <dsp:sp modelId="{713EF538-4D83-4C40-91F0-2FB54040BF34}">
+    <dsp:sp modelId="{D1602B31-E688-46D4-A2FF-E338D9BBB98F}">
       <dsp:nvSpPr>
         <dsp:cNvPr id="0" name=""/>
         <dsp:cNvSpPr/>
       </dsp:nvSpPr>
       <dsp:spPr>
         <a:xfrm>
-          <a:off x="4708199" y="4487500"/>
-          <a:ext cx="1952985" cy="464721"/>
+          <a:off x="4723190" y="3676377"/>
+          <a:ext cx="4057985" cy="386246"/>
         </a:xfrm>
         <a:custGeom>
           <a:avLst/>
@@ -1660,13 +1847,13 @@
                 <a:pt x="0" y="0"/>
               </a:moveTo>
               <a:lnTo>
-                <a:pt x="0" y="316694"/>
+                <a:pt x="0" y="263215"/>
               </a:lnTo>
               <a:lnTo>
-                <a:pt x="1952985" y="316694"/>
+                <a:pt x="4057985" y="263215"/>
               </a:lnTo>
               <a:lnTo>
-                <a:pt x="1952985" y="464721"/>
+                <a:pt x="4057985" y="386246"/>
               </a:lnTo>
             </a:path>
           </a:pathLst>
@@ -1700,15 +1887,15 @@
         <a:fontRef idx="minor"/>
       </dsp:style>
     </dsp:sp>
-    <dsp:sp modelId="{5ADD0D92-D765-43A4-AE4C-D5E38ADC7009}">
+    <dsp:sp modelId="{F49D52A9-C72A-48D8-9693-68020F391F76}">
       <dsp:nvSpPr>
         <dsp:cNvPr id="0" name=""/>
         <dsp:cNvSpPr/>
       </dsp:nvSpPr>
       <dsp:spPr>
         <a:xfrm>
-          <a:off x="4662479" y="4487500"/>
-          <a:ext cx="91440" cy="464721"/>
+          <a:off x="7112261" y="4905946"/>
+          <a:ext cx="91440" cy="386246"/>
         </a:xfrm>
         <a:custGeom>
           <a:avLst/>
@@ -1722,7 +1909,7 @@
                 <a:pt x="45720" y="0"/>
               </a:moveTo>
               <a:lnTo>
-                <a:pt x="45720" y="464721"/>
+                <a:pt x="45720" y="386246"/>
               </a:lnTo>
             </a:path>
           </a:pathLst>
@@ -1756,15 +1943,15 @@
         <a:fontRef idx="minor"/>
       </dsp:style>
     </dsp:sp>
-    <dsp:sp modelId="{76264EBD-BAC7-4A9F-A288-07AFD03BE125}">
+    <dsp:sp modelId="{906F43CF-9C6A-4A9C-8F23-16986A08977A}">
       <dsp:nvSpPr>
         <dsp:cNvPr id="0" name=""/>
         <dsp:cNvSpPr/>
       </dsp:nvSpPr>
       <dsp:spPr>
         <a:xfrm>
-          <a:off x="2755213" y="4487500"/>
-          <a:ext cx="1952985" cy="464721"/>
+          <a:off x="4723190" y="3676377"/>
+          <a:ext cx="2434791" cy="386246"/>
         </a:xfrm>
         <a:custGeom>
           <a:avLst/>
@@ -1775,16 +1962,16 @@
           <a:pathLst>
             <a:path>
               <a:moveTo>
-                <a:pt x="1952985" y="0"/>
+                <a:pt x="0" y="0"/>
               </a:moveTo>
               <a:lnTo>
-                <a:pt x="1952985" y="316694"/>
+                <a:pt x="0" y="263215"/>
               </a:lnTo>
               <a:lnTo>
-                <a:pt x="0" y="316694"/>
+                <a:pt x="2434791" y="263215"/>
               </a:lnTo>
               <a:lnTo>
-                <a:pt x="0" y="464721"/>
+                <a:pt x="2434791" y="386246"/>
               </a:lnTo>
             </a:path>
           </a:pathLst>
@@ -1818,15 +2005,15 @@
         <a:fontRef idx="minor"/>
       </dsp:style>
     </dsp:sp>
-    <dsp:sp modelId="{6FEBF3A6-A081-4149-AB33-D8C7E1B577C1}">
+    <dsp:sp modelId="{713EF538-4D83-4C40-91F0-2FB54040BF34}">
       <dsp:nvSpPr>
         <dsp:cNvPr id="0" name=""/>
         <dsp:cNvSpPr/>
       </dsp:nvSpPr>
       <dsp:spPr>
         <a:xfrm>
-          <a:off x="802227" y="4487500"/>
-          <a:ext cx="3905971" cy="464721"/>
+          <a:off x="4723190" y="3676377"/>
+          <a:ext cx="811597" cy="386246"/>
         </a:xfrm>
         <a:custGeom>
           <a:avLst/>
@@ -1837,16 +2024,16 @@
           <a:pathLst>
             <a:path>
               <a:moveTo>
-                <a:pt x="3905971" y="0"/>
+                <a:pt x="0" y="0"/>
               </a:moveTo>
               <a:lnTo>
-                <a:pt x="3905971" y="316694"/>
+                <a:pt x="0" y="263215"/>
               </a:lnTo>
               <a:lnTo>
-                <a:pt x="0" y="316694"/>
+                <a:pt x="811597" y="263215"/>
               </a:lnTo>
               <a:lnTo>
-                <a:pt x="0" y="464721"/>
+                <a:pt x="811597" y="386246"/>
               </a:lnTo>
             </a:path>
           </a:pathLst>
@@ -1880,15 +2067,15 @@
         <a:fontRef idx="minor"/>
       </dsp:style>
     </dsp:sp>
-    <dsp:sp modelId="{DC02FA63-22A8-4984-AADD-1C676F4DC204}">
+    <dsp:sp modelId="{5ADD0D92-D765-43A4-AE4C-D5E38ADC7009}">
       <dsp:nvSpPr>
         <dsp:cNvPr id="0" name=""/>
         <dsp:cNvSpPr/>
       </dsp:nvSpPr>
       <dsp:spPr>
         <a:xfrm>
-          <a:off x="3731706" y="3008113"/>
-          <a:ext cx="976492" cy="464721"/>
+          <a:off x="3911593" y="3676377"/>
+          <a:ext cx="811597" cy="386246"/>
         </a:xfrm>
         <a:custGeom>
           <a:avLst/>
@@ -1899,16 +2086,16 @@
           <a:pathLst>
             <a:path>
               <a:moveTo>
-                <a:pt x="0" y="0"/>
+                <a:pt x="811597" y="0"/>
               </a:moveTo>
               <a:lnTo>
-                <a:pt x="0" y="316694"/>
+                <a:pt x="811597" y="263215"/>
               </a:lnTo>
               <a:lnTo>
-                <a:pt x="976492" y="316694"/>
+                <a:pt x="0" y="263215"/>
               </a:lnTo>
               <a:lnTo>
-                <a:pt x="976492" y="464721"/>
+                <a:pt x="0" y="386246"/>
               </a:lnTo>
             </a:path>
           </a:pathLst>
@@ -1942,15 +2129,15 @@
         <a:fontRef idx="minor"/>
       </dsp:style>
     </dsp:sp>
-    <dsp:sp modelId="{024A1CDE-D2EA-4A6F-8DFC-DDF25EA9A87F}">
+    <dsp:sp modelId="{76264EBD-BAC7-4A9F-A288-07AFD03BE125}">
       <dsp:nvSpPr>
         <dsp:cNvPr id="0" name=""/>
         <dsp:cNvSpPr/>
       </dsp:nvSpPr>
       <dsp:spPr>
         <a:xfrm>
-          <a:off x="2755213" y="3008113"/>
-          <a:ext cx="976492" cy="464721"/>
+          <a:off x="2288399" y="3676377"/>
+          <a:ext cx="2434791" cy="386246"/>
         </a:xfrm>
         <a:custGeom>
           <a:avLst/>
@@ -1961,16 +2148,16 @@
           <a:pathLst>
             <a:path>
               <a:moveTo>
-                <a:pt x="976492" y="0"/>
+                <a:pt x="2434791" y="0"/>
               </a:moveTo>
               <a:lnTo>
-                <a:pt x="976492" y="316694"/>
+                <a:pt x="2434791" y="263215"/>
               </a:lnTo>
               <a:lnTo>
-                <a:pt x="0" y="316694"/>
+                <a:pt x="0" y="263215"/>
               </a:lnTo>
               <a:lnTo>
-                <a:pt x="0" y="464721"/>
+                <a:pt x="0" y="386246"/>
               </a:lnTo>
             </a:path>
           </a:pathLst>
@@ -2004,6 +2191,192 @@
         <a:fontRef idx="minor"/>
       </dsp:style>
     </dsp:sp>
+    <dsp:sp modelId="{6FEBF3A6-A081-4149-AB33-D8C7E1B577C1}">
+      <dsp:nvSpPr>
+        <dsp:cNvPr id="0" name=""/>
+        <dsp:cNvSpPr/>
+      </dsp:nvSpPr>
+      <dsp:spPr>
+        <a:xfrm>
+          <a:off x="665205" y="3676377"/>
+          <a:ext cx="4057985" cy="386246"/>
+        </a:xfrm>
+        <a:custGeom>
+          <a:avLst/>
+          <a:gdLst/>
+          <a:ahLst/>
+          <a:cxnLst/>
+          <a:rect l="0" t="0" r="0" b="0"/>
+          <a:pathLst>
+            <a:path>
+              <a:moveTo>
+                <a:pt x="4057985" y="0"/>
+              </a:moveTo>
+              <a:lnTo>
+                <a:pt x="4057985" y="263215"/>
+              </a:lnTo>
+              <a:lnTo>
+                <a:pt x="0" y="263215"/>
+              </a:lnTo>
+              <a:lnTo>
+                <a:pt x="0" y="386246"/>
+              </a:lnTo>
+            </a:path>
+          </a:pathLst>
+        </a:custGeom>
+        <a:noFill/>
+        <a:ln w="12700" cap="flat" cmpd="sng" algn="ctr">
+          <a:solidFill>
+            <a:schemeClr val="accent1">
+              <a:shade val="80000"/>
+              <a:hueOff val="0"/>
+              <a:satOff val="0"/>
+              <a:lumOff val="0"/>
+              <a:alphaOff val="0"/>
+            </a:schemeClr>
+          </a:solidFill>
+          <a:prstDash val="solid"/>
+          <a:miter lim="800000"/>
+        </a:ln>
+        <a:effectLst/>
+      </dsp:spPr>
+      <dsp:style>
+        <a:lnRef idx="2">
+          <a:scrgbClr r="0" g="0" b="0"/>
+        </a:lnRef>
+        <a:fillRef idx="0">
+          <a:scrgbClr r="0" g="0" b="0"/>
+        </a:fillRef>
+        <a:effectRef idx="0">
+          <a:scrgbClr r="0" g="0" b="0"/>
+        </a:effectRef>
+        <a:fontRef idx="minor"/>
+      </dsp:style>
+    </dsp:sp>
+    <dsp:sp modelId="{DC02FA63-22A8-4984-AADD-1C676F4DC204}">
+      <dsp:nvSpPr>
+        <dsp:cNvPr id="0" name=""/>
+        <dsp:cNvSpPr/>
+      </dsp:nvSpPr>
+      <dsp:spPr>
+        <a:xfrm>
+          <a:off x="3911593" y="2446807"/>
+          <a:ext cx="811597" cy="386246"/>
+        </a:xfrm>
+        <a:custGeom>
+          <a:avLst/>
+          <a:gdLst/>
+          <a:ahLst/>
+          <a:cxnLst/>
+          <a:rect l="0" t="0" r="0" b="0"/>
+          <a:pathLst>
+            <a:path>
+              <a:moveTo>
+                <a:pt x="0" y="0"/>
+              </a:moveTo>
+              <a:lnTo>
+                <a:pt x="0" y="263215"/>
+              </a:lnTo>
+              <a:lnTo>
+                <a:pt x="811597" y="263215"/>
+              </a:lnTo>
+              <a:lnTo>
+                <a:pt x="811597" y="386246"/>
+              </a:lnTo>
+            </a:path>
+          </a:pathLst>
+        </a:custGeom>
+        <a:noFill/>
+        <a:ln w="12700" cap="flat" cmpd="sng" algn="ctr">
+          <a:solidFill>
+            <a:schemeClr val="accent1">
+              <a:shade val="80000"/>
+              <a:hueOff val="0"/>
+              <a:satOff val="0"/>
+              <a:lumOff val="0"/>
+              <a:alphaOff val="0"/>
+            </a:schemeClr>
+          </a:solidFill>
+          <a:prstDash val="solid"/>
+          <a:miter lim="800000"/>
+        </a:ln>
+        <a:effectLst/>
+      </dsp:spPr>
+      <dsp:style>
+        <a:lnRef idx="2">
+          <a:scrgbClr r="0" g="0" b="0"/>
+        </a:lnRef>
+        <a:fillRef idx="0">
+          <a:scrgbClr r="0" g="0" b="0"/>
+        </a:fillRef>
+        <a:effectRef idx="0">
+          <a:scrgbClr r="0" g="0" b="0"/>
+        </a:effectRef>
+        <a:fontRef idx="minor"/>
+      </dsp:style>
+    </dsp:sp>
+    <dsp:sp modelId="{024A1CDE-D2EA-4A6F-8DFC-DDF25EA9A87F}">
+      <dsp:nvSpPr>
+        <dsp:cNvPr id="0" name=""/>
+        <dsp:cNvSpPr/>
+      </dsp:nvSpPr>
+      <dsp:spPr>
+        <a:xfrm>
+          <a:off x="3099996" y="2446807"/>
+          <a:ext cx="811597" cy="386246"/>
+        </a:xfrm>
+        <a:custGeom>
+          <a:avLst/>
+          <a:gdLst/>
+          <a:ahLst/>
+          <a:cxnLst/>
+          <a:rect l="0" t="0" r="0" b="0"/>
+          <a:pathLst>
+            <a:path>
+              <a:moveTo>
+                <a:pt x="811597" y="0"/>
+              </a:moveTo>
+              <a:lnTo>
+                <a:pt x="811597" y="263215"/>
+              </a:lnTo>
+              <a:lnTo>
+                <a:pt x="0" y="263215"/>
+              </a:lnTo>
+              <a:lnTo>
+                <a:pt x="0" y="386246"/>
+              </a:lnTo>
+            </a:path>
+          </a:pathLst>
+        </a:custGeom>
+        <a:noFill/>
+        <a:ln w="12700" cap="flat" cmpd="sng" algn="ctr">
+          <a:solidFill>
+            <a:schemeClr val="accent1">
+              <a:shade val="80000"/>
+              <a:hueOff val="0"/>
+              <a:satOff val="0"/>
+              <a:lumOff val="0"/>
+              <a:alphaOff val="0"/>
+            </a:schemeClr>
+          </a:solidFill>
+          <a:prstDash val="solid"/>
+          <a:miter lim="800000"/>
+        </a:ln>
+        <a:effectLst/>
+      </dsp:spPr>
+      <dsp:style>
+        <a:lnRef idx="2">
+          <a:scrgbClr r="0" g="0" b="0"/>
+        </a:lnRef>
+        <a:fillRef idx="0">
+          <a:scrgbClr r="0" g="0" b="0"/>
+        </a:fillRef>
+        <a:effectRef idx="0">
+          <a:scrgbClr r="0" g="0" b="0"/>
+        </a:effectRef>
+        <a:fontRef idx="minor"/>
+      </dsp:style>
+    </dsp:sp>
     <dsp:sp modelId="{9CA58F84-80CD-49CD-A64F-8FA651DDAAFE}">
       <dsp:nvSpPr>
         <dsp:cNvPr id="0" name=""/>
@@ -2011,8 +2384,8 @@
       </dsp:nvSpPr>
       <dsp:spPr>
         <a:xfrm>
-          <a:off x="3685986" y="1528726"/>
-          <a:ext cx="91440" cy="464721"/>
+          <a:off x="3865873" y="1217237"/>
+          <a:ext cx="91440" cy="386246"/>
         </a:xfrm>
         <a:custGeom>
           <a:avLst/>
@@ -2026,7 +2399,7 @@
                 <a:pt x="45720" y="0"/>
               </a:moveTo>
               <a:lnTo>
-                <a:pt x="45720" y="464721"/>
+                <a:pt x="45720" y="386246"/>
               </a:lnTo>
             </a:path>
           </a:pathLst>
@@ -2067,8 +2440,8 @@
       </dsp:nvSpPr>
       <dsp:spPr>
         <a:xfrm>
-          <a:off x="2932758" y="514061"/>
-          <a:ext cx="1597897" cy="1014664"/>
+          <a:off x="3247559" y="373914"/>
+          <a:ext cx="1328067" cy="843323"/>
         </a:xfrm>
         <a:prstGeom prst="roundRect">
           <a:avLst>
@@ -2119,8 +2492,8 @@
       </dsp:nvSpPr>
       <dsp:spPr>
         <a:xfrm>
-          <a:off x="3110302" y="682728"/>
-          <a:ext cx="1597897" cy="1014664"/>
+          <a:off x="3395122" y="514099"/>
+          <a:ext cx="1328067" cy="843323"/>
         </a:xfrm>
         <a:prstGeom prst="roundRect">
           <a:avLst>
@@ -2163,12 +2536,12 @@
         <a:fontRef idx="minor"/>
       </dsp:style>
       <dsp:txBody>
-        <a:bodyPr spcFirstLastPara="0" vert="horz" wrap="square" lIns="38100" tIns="38100" rIns="38100" bIns="38100" numCol="1" spcCol="1270" anchor="ctr" anchorCtr="0">
+        <a:bodyPr spcFirstLastPara="0" vert="horz" wrap="square" lIns="30480" tIns="30480" rIns="30480" bIns="30480" numCol="1" spcCol="1270" anchor="ctr" anchorCtr="0">
           <a:noAutofit/>
         </a:bodyPr>
         <a:lstStyle/>
         <a:p>
-          <a:pPr marL="0" lvl="0" indent="0" algn="ctr" defTabSz="444500">
+          <a:pPr marL="0" lvl="0" indent="0" algn="ctr" defTabSz="355600">
             <a:lnSpc>
               <a:spcPct val="90000"/>
             </a:lnSpc>
@@ -2181,15 +2554,15 @@
             <a:buNone/>
           </a:pPr>
           <a:r>
-            <a:rPr lang="en-US" sz="1000" kern="1200" dirty="0"/>
+            <a:rPr lang="en-US" sz="800" kern="1200" dirty="0"/>
             <a:t>System Admin (VRT)</a:t>
           </a:r>
-          <a:endParaRPr lang="en-AU" sz="1000" kern="1200" dirty="0"/>
+          <a:endParaRPr lang="en-AU" sz="800" kern="1200" dirty="0"/>
         </a:p>
       </dsp:txBody>
       <dsp:txXfrm>
-        <a:off x="3140020" y="712446"/>
-        <a:ext cx="1538461" cy="955228"/>
+        <a:off x="3419822" y="538799"/>
+        <a:ext cx="1278667" cy="793923"/>
       </dsp:txXfrm>
     </dsp:sp>
     <dsp:sp modelId="{EB148B94-B86D-4158-88DC-55289F07CAAC}">
@@ -2199,8 +2572,8 @@
       </dsp:nvSpPr>
       <dsp:spPr>
         <a:xfrm>
-          <a:off x="2932758" y="1993448"/>
-          <a:ext cx="1597897" cy="1014664"/>
+          <a:off x="3247559" y="1603484"/>
+          <a:ext cx="1328067" cy="843323"/>
         </a:xfrm>
         <a:prstGeom prst="roundRect">
           <a:avLst>
@@ -2251,8 +2624,8 @@
       </dsp:nvSpPr>
       <dsp:spPr>
         <a:xfrm>
-          <a:off x="3110302" y="2162115"/>
-          <a:ext cx="1597897" cy="1014664"/>
+          <a:off x="3395122" y="1743669"/>
+          <a:ext cx="1328067" cy="843323"/>
         </a:xfrm>
         <a:prstGeom prst="roundRect">
           <a:avLst>
@@ -2295,12 +2668,12 @@
         <a:fontRef idx="minor"/>
       </dsp:style>
       <dsp:txBody>
-        <a:bodyPr spcFirstLastPara="0" vert="horz" wrap="square" lIns="38100" tIns="38100" rIns="38100" bIns="38100" numCol="1" spcCol="1270" anchor="ctr" anchorCtr="0">
+        <a:bodyPr spcFirstLastPara="0" vert="horz" wrap="square" lIns="30480" tIns="30480" rIns="30480" bIns="30480" numCol="1" spcCol="1270" anchor="ctr" anchorCtr="0">
           <a:noAutofit/>
         </a:bodyPr>
         <a:lstStyle/>
         <a:p>
-          <a:pPr marL="0" lvl="0" indent="0" algn="ctr" defTabSz="444500">
+          <a:pPr marL="0" lvl="0" indent="0" algn="ctr" defTabSz="355600">
             <a:lnSpc>
               <a:spcPct val="90000"/>
             </a:lnSpc>
@@ -2313,22 +2686,22 @@
             <a:buNone/>
           </a:pPr>
           <a:r>
-            <a:rPr lang="en-US" sz="1000" kern="1200" dirty="0"/>
+            <a:rPr lang="en-US" sz="800" kern="1200" dirty="0"/>
             <a:t>Tenant (EL-Baran)</a:t>
           </a:r>
           <a:br>
-            <a:rPr lang="en-US" sz="1000" kern="1200" dirty="0"/>
+            <a:rPr lang="en-US" sz="800" kern="1200" dirty="0"/>
           </a:br>
           <a:r>
-            <a:rPr lang="en-US" sz="1000" kern="1200" dirty="0"/>
+            <a:rPr lang="en-US" sz="800" kern="1200" dirty="0"/>
             <a:t>Tenant Admin1: vrtpayam@gmail.com</a:t>
           </a:r>
-          <a:endParaRPr lang="en-AU" sz="1000" kern="1200" dirty="0"/>
+          <a:endParaRPr lang="en-AU" sz="800" kern="1200" dirty="0"/>
         </a:p>
       </dsp:txBody>
       <dsp:txXfrm>
-        <a:off x="3140020" y="2191833"/>
-        <a:ext cx="1538461" cy="955228"/>
+        <a:off x="3419822" y="1768369"/>
+        <a:ext cx="1278667" cy="793923"/>
       </dsp:txXfrm>
     </dsp:sp>
     <dsp:sp modelId="{2DFB1338-19DE-45DC-8A50-1568EF9C4ACE}">
@@ -2338,8 +2711,8 @@
       </dsp:nvSpPr>
       <dsp:spPr>
         <a:xfrm>
-          <a:off x="1956265" y="3472835"/>
-          <a:ext cx="1597897" cy="1014664"/>
+          <a:off x="2435962" y="2833053"/>
+          <a:ext cx="1328067" cy="843323"/>
         </a:xfrm>
         <a:prstGeom prst="roundRect">
           <a:avLst>
@@ -2390,8 +2763,8 @@
       </dsp:nvSpPr>
       <dsp:spPr>
         <a:xfrm>
-          <a:off x="2133809" y="3641502"/>
-          <a:ext cx="1597897" cy="1014664"/>
+          <a:off x="2583525" y="2973238"/>
+          <a:ext cx="1328067" cy="843323"/>
         </a:xfrm>
         <a:prstGeom prst="roundRect">
           <a:avLst>
@@ -2434,12 +2807,12 @@
         <a:fontRef idx="minor"/>
       </dsp:style>
       <dsp:txBody>
-        <a:bodyPr spcFirstLastPara="0" vert="horz" wrap="square" lIns="38100" tIns="38100" rIns="38100" bIns="38100" numCol="1" spcCol="1270" anchor="ctr" anchorCtr="0">
+        <a:bodyPr spcFirstLastPara="0" vert="horz" wrap="square" lIns="30480" tIns="30480" rIns="30480" bIns="30480" numCol="1" spcCol="1270" anchor="ctr" anchorCtr="0">
           <a:noAutofit/>
         </a:bodyPr>
         <a:lstStyle/>
         <a:p>
-          <a:pPr marL="0" lvl="0" indent="0" algn="ctr" defTabSz="444500">
+          <a:pPr marL="0" lvl="0" indent="0" algn="ctr" defTabSz="355600">
             <a:lnSpc>
               <a:spcPct val="90000"/>
             </a:lnSpc>
@@ -2452,15 +2825,15 @@
             <a:buNone/>
           </a:pPr>
           <a:r>
-            <a:rPr lang="en-US" sz="1000" kern="1200" dirty="0"/>
+            <a:rPr lang="en-US" sz="800" kern="1200" dirty="0"/>
             <a:t>Customer1 Tower1</a:t>
           </a:r>
-          <a:endParaRPr lang="en-AU" sz="1000" kern="1200" dirty="0"/>
+          <a:endParaRPr lang="en-AU" sz="800" kern="1200" dirty="0"/>
         </a:p>
       </dsp:txBody>
       <dsp:txXfrm>
-        <a:off x="2163527" y="3671220"/>
-        <a:ext cx="1538461" cy="955228"/>
+        <a:off x="2608225" y="2997938"/>
+        <a:ext cx="1278667" cy="793923"/>
       </dsp:txXfrm>
     </dsp:sp>
     <dsp:sp modelId="{B96B8595-6AEE-43D9-A5D8-DF7548C8F166}">
@@ -2470,8 +2843,8 @@
       </dsp:nvSpPr>
       <dsp:spPr>
         <a:xfrm>
-          <a:off x="3909251" y="3472835"/>
-          <a:ext cx="1597897" cy="1014664"/>
+          <a:off x="4059156" y="2833053"/>
+          <a:ext cx="1328067" cy="843323"/>
         </a:xfrm>
         <a:prstGeom prst="roundRect">
           <a:avLst>
@@ -2522,8 +2895,8 @@
       </dsp:nvSpPr>
       <dsp:spPr>
         <a:xfrm>
-          <a:off x="4086795" y="3641502"/>
-          <a:ext cx="1597897" cy="1014664"/>
+          <a:off x="4206719" y="2973238"/>
+          <a:ext cx="1328067" cy="843323"/>
         </a:xfrm>
         <a:prstGeom prst="roundRect">
           <a:avLst>
@@ -2566,12 +2939,12 @@
         <a:fontRef idx="minor"/>
       </dsp:style>
       <dsp:txBody>
-        <a:bodyPr spcFirstLastPara="0" vert="horz" wrap="square" lIns="38100" tIns="38100" rIns="38100" bIns="38100" numCol="1" spcCol="1270" anchor="ctr" anchorCtr="0">
+        <a:bodyPr spcFirstLastPara="0" vert="horz" wrap="square" lIns="30480" tIns="30480" rIns="30480" bIns="30480" numCol="1" spcCol="1270" anchor="ctr" anchorCtr="0">
           <a:noAutofit/>
         </a:bodyPr>
         <a:lstStyle/>
         <a:p>
-          <a:pPr marL="0" lvl="0" indent="0" algn="ctr" defTabSz="444500">
+          <a:pPr marL="0" lvl="0" indent="0" algn="ctr" defTabSz="355600">
             <a:lnSpc>
               <a:spcPct val="90000"/>
             </a:lnSpc>
@@ -2584,15 +2957,15 @@
             <a:buNone/>
           </a:pPr>
           <a:r>
-            <a:rPr lang="en-US" sz="1000" kern="1200" dirty="0"/>
+            <a:rPr lang="en-US" sz="800" kern="1200" dirty="0"/>
             <a:t>Customer2:Tower2</a:t>
           </a:r>
-          <a:endParaRPr lang="en-AU" sz="1000" kern="1200" dirty="0"/>
+          <a:endParaRPr lang="en-AU" sz="800" kern="1200" dirty="0"/>
         </a:p>
       </dsp:txBody>
       <dsp:txXfrm>
-        <a:off x="4116513" y="3671220"/>
-        <a:ext cx="1538461" cy="955228"/>
+        <a:off x="4231419" y="2997938"/>
+        <a:ext cx="1278667" cy="793923"/>
       </dsp:txXfrm>
     </dsp:sp>
     <dsp:sp modelId="{14D9D29E-31CE-4F45-A5D0-F3EDCE8FA373}">
@@ -2602,8 +2975,8 @@
       </dsp:nvSpPr>
       <dsp:spPr>
         <a:xfrm>
-          <a:off x="3279" y="4952222"/>
-          <a:ext cx="1597897" cy="1014664"/>
+          <a:off x="1171" y="4062623"/>
+          <a:ext cx="1328067" cy="843323"/>
         </a:xfrm>
         <a:prstGeom prst="roundRect">
           <a:avLst>
@@ -2654,8 +3027,8 @@
       </dsp:nvSpPr>
       <dsp:spPr>
         <a:xfrm>
-          <a:off x="180823" y="5120889"/>
-          <a:ext cx="1597897" cy="1014664"/>
+          <a:off x="148734" y="4202808"/>
+          <a:ext cx="1328067" cy="843323"/>
         </a:xfrm>
         <a:prstGeom prst="roundRect">
           <a:avLst>
@@ -2698,12 +3071,12 @@
         <a:fontRef idx="minor"/>
       </dsp:style>
       <dsp:txBody>
-        <a:bodyPr spcFirstLastPara="0" vert="horz" wrap="square" lIns="38100" tIns="38100" rIns="38100" bIns="38100" numCol="1" spcCol="1270" anchor="ctr" anchorCtr="0">
+        <a:bodyPr spcFirstLastPara="0" vert="horz" wrap="square" lIns="30480" tIns="30480" rIns="30480" bIns="30480" numCol="1" spcCol="1270" anchor="ctr" anchorCtr="0">
           <a:noAutofit/>
         </a:bodyPr>
         <a:lstStyle/>
         <a:p>
-          <a:pPr marL="0" lvl="0" indent="0" algn="ctr" defTabSz="444500">
+          <a:pPr marL="0" lvl="0" indent="0" algn="ctr" defTabSz="355600">
             <a:lnSpc>
               <a:spcPct val="90000"/>
             </a:lnSpc>
@@ -2716,15 +3089,15 @@
             <a:buNone/>
           </a:pPr>
           <a:r>
-            <a:rPr lang="en-US" sz="1000" kern="1200" dirty="0" err="1"/>
+            <a:rPr lang="en-US" sz="800" kern="1200" dirty="0" err="1"/>
             <a:t>siteDemo</a:t>
           </a:r>
-          <a:endParaRPr lang="en-AU" sz="1000" kern="1200" dirty="0"/>
+          <a:endParaRPr lang="en-AU" sz="800" kern="1200" dirty="0"/>
         </a:p>
       </dsp:txBody>
       <dsp:txXfrm>
-        <a:off x="210541" y="5150607"/>
-        <a:ext cx="1538461" cy="955228"/>
+        <a:off x="173434" y="4227508"/>
+        <a:ext cx="1278667" cy="793923"/>
       </dsp:txXfrm>
     </dsp:sp>
     <dsp:sp modelId="{9E0431E5-426F-45AF-BE18-A3CF23F7B263}">
@@ -2734,8 +3107,8 @@
       </dsp:nvSpPr>
       <dsp:spPr>
         <a:xfrm>
-          <a:off x="1956265" y="4952222"/>
-          <a:ext cx="1597897" cy="1014664"/>
+          <a:off x="1624365" y="4062623"/>
+          <a:ext cx="1328067" cy="843323"/>
         </a:xfrm>
         <a:prstGeom prst="roundRect">
           <a:avLst>
@@ -2786,8 +3159,8 @@
       </dsp:nvSpPr>
       <dsp:spPr>
         <a:xfrm>
-          <a:off x="2133809" y="5120889"/>
-          <a:ext cx="1597897" cy="1014664"/>
+          <a:off x="1771928" y="4202808"/>
+          <a:ext cx="1328067" cy="843323"/>
         </a:xfrm>
         <a:prstGeom prst="roundRect">
           <a:avLst>
@@ -2830,12 +3203,12 @@
         <a:fontRef idx="minor"/>
       </dsp:style>
       <dsp:txBody>
-        <a:bodyPr spcFirstLastPara="0" vert="horz" wrap="square" lIns="38100" tIns="38100" rIns="38100" bIns="38100" numCol="1" spcCol="1270" anchor="ctr" anchorCtr="0">
+        <a:bodyPr spcFirstLastPara="0" vert="horz" wrap="square" lIns="30480" tIns="30480" rIns="30480" bIns="30480" numCol="1" spcCol="1270" anchor="ctr" anchorCtr="0">
           <a:noAutofit/>
         </a:bodyPr>
         <a:lstStyle/>
         <a:p>
-          <a:pPr marL="0" lvl="0" indent="0" algn="ctr" defTabSz="444500">
+          <a:pPr marL="0" lvl="0" indent="0" algn="ctr" defTabSz="355600">
             <a:lnSpc>
               <a:spcPct val="90000"/>
             </a:lnSpc>
@@ -2848,15 +3221,15 @@
             <a:buNone/>
           </a:pPr>
           <a:r>
-            <a:rPr lang="en-US" sz="1000" kern="1200" dirty="0" err="1"/>
+            <a:rPr lang="en-US" sz="800" kern="1200" dirty="0" err="1"/>
             <a:t>spaceDemo</a:t>
           </a:r>
-          <a:endParaRPr lang="en-AU" sz="1000" kern="1200" dirty="0"/>
+          <a:endParaRPr lang="en-AU" sz="800" kern="1200" dirty="0"/>
         </a:p>
       </dsp:txBody>
       <dsp:txXfrm>
-        <a:off x="2163527" y="5150607"/>
-        <a:ext cx="1538461" cy="955228"/>
+        <a:off x="1796628" y="4227508"/>
+        <a:ext cx="1278667" cy="793923"/>
       </dsp:txXfrm>
     </dsp:sp>
     <dsp:sp modelId="{6823474A-FD2C-43BA-B5A7-304FF94AB282}">
@@ -2866,8 +3239,8 @@
       </dsp:nvSpPr>
       <dsp:spPr>
         <a:xfrm>
-          <a:off x="3909251" y="4952222"/>
-          <a:ext cx="1597897" cy="1014664"/>
+          <a:off x="3247559" y="4062623"/>
+          <a:ext cx="1328067" cy="843323"/>
         </a:xfrm>
         <a:prstGeom prst="roundRect">
           <a:avLst>
@@ -2918,8 +3291,8 @@
       </dsp:nvSpPr>
       <dsp:spPr>
         <a:xfrm>
-          <a:off x="4086795" y="5120889"/>
-          <a:ext cx="1597897" cy="1014664"/>
+          <a:off x="3395122" y="4202808"/>
+          <a:ext cx="1328067" cy="843323"/>
         </a:xfrm>
         <a:prstGeom prst="roundRect">
           <a:avLst>
@@ -2962,12 +3335,12 @@
         <a:fontRef idx="minor"/>
       </dsp:style>
       <dsp:txBody>
-        <a:bodyPr spcFirstLastPara="0" vert="horz" wrap="square" lIns="38100" tIns="38100" rIns="38100" bIns="38100" numCol="1" spcCol="1270" anchor="ctr" anchorCtr="0">
+        <a:bodyPr spcFirstLastPara="0" vert="horz" wrap="square" lIns="30480" tIns="30480" rIns="30480" bIns="30480" numCol="1" spcCol="1270" anchor="ctr" anchorCtr="0">
           <a:noAutofit/>
         </a:bodyPr>
         <a:lstStyle/>
         <a:p>
-          <a:pPr marL="0" lvl="0" indent="0" algn="ctr" defTabSz="444500">
+          <a:pPr marL="0" lvl="0" indent="0" algn="ctr" defTabSz="355600">
             <a:lnSpc>
               <a:spcPct val="90000"/>
             </a:lnSpc>
@@ -2980,15 +3353,15 @@
             <a:buNone/>
           </a:pPr>
           <a:r>
-            <a:rPr lang="en-US" sz="1000" kern="1200" dirty="0" err="1"/>
+            <a:rPr lang="en-US" sz="800" kern="1200" dirty="0" err="1"/>
             <a:t>equipDemo</a:t>
           </a:r>
-          <a:endParaRPr lang="en-AU" sz="1000" kern="1200" dirty="0"/>
+          <a:endParaRPr lang="en-AU" sz="800" kern="1200" dirty="0"/>
         </a:p>
       </dsp:txBody>
       <dsp:txXfrm>
-        <a:off x="4116513" y="5150607"/>
-        <a:ext cx="1538461" cy="955228"/>
+        <a:off x="3419822" y="4227508"/>
+        <a:ext cx="1278667" cy="793923"/>
       </dsp:txXfrm>
     </dsp:sp>
     <dsp:sp modelId="{B0E747B4-7EF2-4EAB-95CE-87BA6A36C5B5}">
@@ -2998,8 +3371,8 @@
       </dsp:nvSpPr>
       <dsp:spPr>
         <a:xfrm>
-          <a:off x="5862237" y="4952222"/>
-          <a:ext cx="1597897" cy="1014664"/>
+          <a:off x="4870753" y="4062623"/>
+          <a:ext cx="1328067" cy="843323"/>
         </a:xfrm>
         <a:prstGeom prst="roundRect">
           <a:avLst>
@@ -3050,8 +3423,8 @@
       </dsp:nvSpPr>
       <dsp:spPr>
         <a:xfrm>
-          <a:off x="6039781" y="5120889"/>
-          <a:ext cx="1597897" cy="1014664"/>
+          <a:off x="5018316" y="4202808"/>
+          <a:ext cx="1328067" cy="843323"/>
         </a:xfrm>
         <a:prstGeom prst="roundRect">
           <a:avLst>
@@ -3094,12 +3467,12 @@
         <a:fontRef idx="minor"/>
       </dsp:style>
       <dsp:txBody>
-        <a:bodyPr spcFirstLastPara="0" vert="horz" wrap="square" lIns="38100" tIns="38100" rIns="38100" bIns="38100" numCol="1" spcCol="1270" anchor="ctr" anchorCtr="0">
+        <a:bodyPr spcFirstLastPara="0" vert="horz" wrap="square" lIns="30480" tIns="30480" rIns="30480" bIns="30480" numCol="1" spcCol="1270" anchor="ctr" anchorCtr="0">
           <a:noAutofit/>
         </a:bodyPr>
         <a:lstStyle/>
         <a:p>
-          <a:pPr marL="0" lvl="0" indent="0" algn="ctr" defTabSz="444500">
+          <a:pPr marL="0" lvl="0" indent="0" algn="ctr" defTabSz="355600">
             <a:lnSpc>
               <a:spcPct val="90000"/>
             </a:lnSpc>
@@ -3112,26 +3485,26 @@
             <a:buNone/>
           </a:pPr>
           <a:r>
-            <a:rPr lang="en-US" sz="1000" kern="1200" dirty="0" err="1"/>
-            <a:t>binMonitor</a:t>
+            <a:rPr lang="en-US" sz="800" kern="1200" dirty="0" err="1"/>
+            <a:t>Device:binMonitor</a:t>
           </a:r>
-          <a:endParaRPr lang="en-AU" sz="1000" kern="1200" dirty="0"/>
+          <a:endParaRPr lang="en-AU" sz="800" kern="1200" dirty="0"/>
         </a:p>
       </dsp:txBody>
       <dsp:txXfrm>
-        <a:off x="6069499" y="5150607"/>
-        <a:ext cx="1538461" cy="955228"/>
+        <a:off x="5043016" y="4227508"/>
+        <a:ext cx="1278667" cy="793923"/>
       </dsp:txXfrm>
     </dsp:sp>
-    <dsp:sp modelId="{805A6BF6-24C5-46D2-BA57-324029CBA060}">
+    <dsp:sp modelId="{D091EB34-D0FD-4D8C-A1BB-E659E18CB001}">
       <dsp:nvSpPr>
         <dsp:cNvPr id="0" name=""/>
         <dsp:cNvSpPr/>
       </dsp:nvSpPr>
       <dsp:spPr>
         <a:xfrm>
-          <a:off x="7815223" y="4952222"/>
-          <a:ext cx="1597897" cy="1014664"/>
+          <a:off x="6493947" y="4062623"/>
+          <a:ext cx="1328067" cy="843323"/>
         </a:xfrm>
         <a:prstGeom prst="roundRect">
           <a:avLst>
@@ -3175,15 +3548,15 @@
         </a:fontRef>
       </dsp:style>
     </dsp:sp>
-    <dsp:sp modelId="{5BF64322-B64E-4912-B503-33754F38A8CE}">
+    <dsp:sp modelId="{21DD98E6-86A5-4C5E-83AC-9AB46C819FAC}">
       <dsp:nvSpPr>
         <dsp:cNvPr id="0" name=""/>
         <dsp:cNvSpPr/>
       </dsp:nvSpPr>
       <dsp:spPr>
         <a:xfrm>
-          <a:off x="7992767" y="5120889"/>
-          <a:ext cx="1597897" cy="1014664"/>
+          <a:off x="6641510" y="4202808"/>
+          <a:ext cx="1328067" cy="843323"/>
         </a:xfrm>
         <a:prstGeom prst="roundRect">
           <a:avLst>
@@ -3226,12 +3599,12 @@
         <a:fontRef idx="minor"/>
       </dsp:style>
       <dsp:txBody>
-        <a:bodyPr spcFirstLastPara="0" vert="horz" wrap="square" lIns="38100" tIns="38100" rIns="38100" bIns="38100" numCol="1" spcCol="1270" anchor="ctr" anchorCtr="0">
+        <a:bodyPr spcFirstLastPara="0" vert="horz" wrap="square" lIns="30480" tIns="30480" rIns="30480" bIns="30480" numCol="1" spcCol="1270" anchor="ctr" anchorCtr="0">
           <a:noAutofit/>
         </a:bodyPr>
         <a:lstStyle/>
         <a:p>
-          <a:pPr marL="0" lvl="0" indent="0" algn="ctr" defTabSz="444500">
+          <a:pPr marL="0" lvl="0" indent="0" algn="ctr" defTabSz="355600">
             <a:lnSpc>
               <a:spcPct val="90000"/>
             </a:lnSpc>
@@ -3244,22 +3617,426 @@
             <a:buNone/>
           </a:pPr>
           <a:r>
-            <a:rPr lang="en-US" sz="1000" kern="1200" dirty="0"/>
-            <a:t>Elena</a:t>
+            <a:rPr lang="en-US" sz="800" kern="1200" dirty="0" err="1"/>
+            <a:t>Group:customer</a:t>
           </a:r>
-          <a:br>
-            <a:rPr lang="en-US" sz="1000" kern="1200" dirty="0"/>
-          </a:br>
           <a:r>
-            <a:rPr lang="en-US" sz="1000" kern="1200" dirty="0"/>
-            <a:t>payamamerian@gmail.com</a:t>
+            <a:rPr lang="en-US" sz="800" kern="1200" dirty="0"/>
+            <a:t> user role</a:t>
           </a:r>
-          <a:endParaRPr lang="en-AU" sz="1000" kern="1200" dirty="0"/>
+          <a:endParaRPr lang="en-AU" sz="800" kern="1200" dirty="0"/>
         </a:p>
       </dsp:txBody>
       <dsp:txXfrm>
-        <a:off x="8022485" y="5150607"/>
-        <a:ext cx="1538461" cy="955228"/>
+        <a:off x="6666210" y="4227508"/>
+        <a:ext cx="1278667" cy="793923"/>
+      </dsp:txXfrm>
+    </dsp:sp>
+    <dsp:sp modelId="{805A6BF6-24C5-46D2-BA57-324029CBA060}">
+      <dsp:nvSpPr>
+        <dsp:cNvPr id="0" name=""/>
+        <dsp:cNvSpPr/>
+      </dsp:nvSpPr>
+      <dsp:spPr>
+        <a:xfrm>
+          <a:off x="6493947" y="5292193"/>
+          <a:ext cx="1328067" cy="843323"/>
+        </a:xfrm>
+        <a:prstGeom prst="roundRect">
+          <a:avLst>
+            <a:gd name="adj" fmla="val 10000"/>
+          </a:avLst>
+        </a:prstGeom>
+        <a:solidFill>
+          <a:schemeClr val="accent1">
+            <a:hueOff val="0"/>
+            <a:satOff val="0"/>
+            <a:lumOff val="0"/>
+            <a:alphaOff val="0"/>
+          </a:schemeClr>
+        </a:solidFill>
+        <a:ln w="12700" cap="flat" cmpd="sng" algn="ctr">
+          <a:solidFill>
+            <a:schemeClr val="lt1">
+              <a:hueOff val="0"/>
+              <a:satOff val="0"/>
+              <a:lumOff val="0"/>
+              <a:alphaOff val="0"/>
+            </a:schemeClr>
+          </a:solidFill>
+          <a:prstDash val="solid"/>
+          <a:miter lim="800000"/>
+        </a:ln>
+        <a:effectLst/>
+      </dsp:spPr>
+      <dsp:style>
+        <a:lnRef idx="2">
+          <a:scrgbClr r="0" g="0" b="0"/>
+        </a:lnRef>
+        <a:fillRef idx="1">
+          <a:scrgbClr r="0" g="0" b="0"/>
+        </a:fillRef>
+        <a:effectRef idx="0">
+          <a:scrgbClr r="0" g="0" b="0"/>
+        </a:effectRef>
+        <a:fontRef idx="minor">
+          <a:schemeClr val="lt1"/>
+        </a:fontRef>
+      </dsp:style>
+    </dsp:sp>
+    <dsp:sp modelId="{5BF64322-B64E-4912-B503-33754F38A8CE}">
+      <dsp:nvSpPr>
+        <dsp:cNvPr id="0" name=""/>
+        <dsp:cNvSpPr/>
+      </dsp:nvSpPr>
+      <dsp:spPr>
+        <a:xfrm>
+          <a:off x="6641510" y="5432378"/>
+          <a:ext cx="1328067" cy="843323"/>
+        </a:xfrm>
+        <a:prstGeom prst="roundRect">
+          <a:avLst>
+            <a:gd name="adj" fmla="val 10000"/>
+          </a:avLst>
+        </a:prstGeom>
+        <a:solidFill>
+          <a:schemeClr val="lt1">
+            <a:alpha val="90000"/>
+            <a:hueOff val="0"/>
+            <a:satOff val="0"/>
+            <a:lumOff val="0"/>
+            <a:alphaOff val="0"/>
+          </a:schemeClr>
+        </a:solidFill>
+        <a:ln w="12700" cap="flat" cmpd="sng" algn="ctr">
+          <a:solidFill>
+            <a:schemeClr val="accent1">
+              <a:hueOff val="0"/>
+              <a:satOff val="0"/>
+              <a:lumOff val="0"/>
+              <a:alphaOff val="0"/>
+            </a:schemeClr>
+          </a:solidFill>
+          <a:prstDash val="solid"/>
+          <a:miter lim="800000"/>
+        </a:ln>
+        <a:effectLst/>
+      </dsp:spPr>
+      <dsp:style>
+        <a:lnRef idx="2">
+          <a:scrgbClr r="0" g="0" b="0"/>
+        </a:lnRef>
+        <a:fillRef idx="1">
+          <a:scrgbClr r="0" g="0" b="0"/>
+        </a:fillRef>
+        <a:effectRef idx="0">
+          <a:scrgbClr r="0" g="0" b="0"/>
+        </a:effectRef>
+        <a:fontRef idx="minor"/>
+      </dsp:style>
+      <dsp:txBody>
+        <a:bodyPr spcFirstLastPara="0" vert="horz" wrap="square" lIns="30480" tIns="30480" rIns="30480" bIns="30480" numCol="1" spcCol="1270" anchor="ctr" anchorCtr="0">
+          <a:noAutofit/>
+        </a:bodyPr>
+        <a:lstStyle/>
+        <a:p>
+          <a:pPr marL="0" lvl="0" indent="0" algn="ctr" defTabSz="355600">
+            <a:lnSpc>
+              <a:spcPct val="90000"/>
+            </a:lnSpc>
+            <a:spcBef>
+              <a:spcPct val="0"/>
+            </a:spcBef>
+            <a:spcAft>
+              <a:spcPct val="35000"/>
+            </a:spcAft>
+            <a:buNone/>
+          </a:pPr>
+          <a:r>
+            <a:rPr lang="en-US" sz="800" kern="1200" dirty="0"/>
+            <a:t>User: Elena</a:t>
+          </a:r>
+          <a:br>
+            <a:rPr lang="en-US" sz="800" kern="1200" dirty="0"/>
+          </a:br>
+          <a:r>
+            <a:rPr lang="en-US" sz="800" kern="1200" dirty="0"/>
+            <a:t>payamamerian@gmail.com</a:t>
+          </a:r>
+          <a:endParaRPr lang="en-AU" sz="800" kern="1200" dirty="0"/>
+        </a:p>
+      </dsp:txBody>
+      <dsp:txXfrm>
+        <a:off x="6666210" y="5457078"/>
+        <a:ext cx="1278667" cy="793923"/>
+      </dsp:txXfrm>
+    </dsp:sp>
+    <dsp:sp modelId="{16A40FEF-0CA5-4CDE-A17B-7FABF15EA442}">
+      <dsp:nvSpPr>
+        <dsp:cNvPr id="0" name=""/>
+        <dsp:cNvSpPr/>
+      </dsp:nvSpPr>
+      <dsp:spPr>
+        <a:xfrm>
+          <a:off x="8117141" y="4062623"/>
+          <a:ext cx="1328067" cy="843323"/>
+        </a:xfrm>
+        <a:prstGeom prst="roundRect">
+          <a:avLst>
+            <a:gd name="adj" fmla="val 10000"/>
+          </a:avLst>
+        </a:prstGeom>
+        <a:solidFill>
+          <a:schemeClr val="accent1">
+            <a:hueOff val="0"/>
+            <a:satOff val="0"/>
+            <a:lumOff val="0"/>
+            <a:alphaOff val="0"/>
+          </a:schemeClr>
+        </a:solidFill>
+        <a:ln w="12700" cap="flat" cmpd="sng" algn="ctr">
+          <a:solidFill>
+            <a:schemeClr val="lt1">
+              <a:hueOff val="0"/>
+              <a:satOff val="0"/>
+              <a:lumOff val="0"/>
+              <a:alphaOff val="0"/>
+            </a:schemeClr>
+          </a:solidFill>
+          <a:prstDash val="solid"/>
+          <a:miter lim="800000"/>
+        </a:ln>
+        <a:effectLst/>
+      </dsp:spPr>
+      <dsp:style>
+        <a:lnRef idx="2">
+          <a:scrgbClr r="0" g="0" b="0"/>
+        </a:lnRef>
+        <a:fillRef idx="1">
+          <a:scrgbClr r="0" g="0" b="0"/>
+        </a:fillRef>
+        <a:effectRef idx="0">
+          <a:scrgbClr r="0" g="0" b="0"/>
+        </a:effectRef>
+        <a:fontRef idx="minor">
+          <a:schemeClr val="lt1"/>
+        </a:fontRef>
+      </dsp:style>
+    </dsp:sp>
+    <dsp:sp modelId="{FEE7C012-FA89-4C64-A893-DB1EE54A2029}">
+      <dsp:nvSpPr>
+        <dsp:cNvPr id="0" name=""/>
+        <dsp:cNvSpPr/>
+      </dsp:nvSpPr>
+      <dsp:spPr>
+        <a:xfrm>
+          <a:off x="8264704" y="4202808"/>
+          <a:ext cx="1328067" cy="843323"/>
+        </a:xfrm>
+        <a:prstGeom prst="roundRect">
+          <a:avLst>
+            <a:gd name="adj" fmla="val 10000"/>
+          </a:avLst>
+        </a:prstGeom>
+        <a:solidFill>
+          <a:schemeClr val="lt1">
+            <a:alpha val="90000"/>
+            <a:hueOff val="0"/>
+            <a:satOff val="0"/>
+            <a:lumOff val="0"/>
+            <a:alphaOff val="0"/>
+          </a:schemeClr>
+        </a:solidFill>
+        <a:ln w="12700" cap="flat" cmpd="sng" algn="ctr">
+          <a:solidFill>
+            <a:schemeClr val="accent1">
+              <a:hueOff val="0"/>
+              <a:satOff val="0"/>
+              <a:lumOff val="0"/>
+              <a:alphaOff val="0"/>
+            </a:schemeClr>
+          </a:solidFill>
+          <a:prstDash val="solid"/>
+          <a:miter lim="800000"/>
+        </a:ln>
+        <a:effectLst/>
+      </dsp:spPr>
+      <dsp:style>
+        <a:lnRef idx="2">
+          <a:scrgbClr r="0" g="0" b="0"/>
+        </a:lnRef>
+        <a:fillRef idx="1">
+          <a:scrgbClr r="0" g="0" b="0"/>
+        </a:fillRef>
+        <a:effectRef idx="0">
+          <a:scrgbClr r="0" g="0" b="0"/>
+        </a:effectRef>
+        <a:fontRef idx="minor"/>
+      </dsp:style>
+      <dsp:txBody>
+        <a:bodyPr spcFirstLastPara="0" vert="horz" wrap="square" lIns="30480" tIns="30480" rIns="30480" bIns="30480" numCol="1" spcCol="1270" anchor="ctr" anchorCtr="0">
+          <a:noAutofit/>
+        </a:bodyPr>
+        <a:lstStyle/>
+        <a:p>
+          <a:pPr marL="0" lvl="0" indent="0" algn="ctr" defTabSz="355600">
+            <a:lnSpc>
+              <a:spcPct val="90000"/>
+            </a:lnSpc>
+            <a:spcBef>
+              <a:spcPct val="0"/>
+            </a:spcBef>
+            <a:spcAft>
+              <a:spcPct val="35000"/>
+            </a:spcAft>
+            <a:buNone/>
+          </a:pPr>
+          <a:r>
+            <a:rPr lang="en-US" sz="800" kern="1200" dirty="0"/>
+            <a:t>shareTower2Group</a:t>
+          </a:r>
+          <a:endParaRPr lang="en-AU" sz="800" kern="1200" dirty="0"/>
+        </a:p>
+      </dsp:txBody>
+      <dsp:txXfrm>
+        <a:off x="8289404" y="4227508"/>
+        <a:ext cx="1278667" cy="793923"/>
+      </dsp:txXfrm>
+    </dsp:sp>
+    <dsp:sp modelId="{1BA6D456-DB71-468B-9C08-2811F1BB4C7E}">
+      <dsp:nvSpPr>
+        <dsp:cNvPr id="0" name=""/>
+        <dsp:cNvSpPr/>
+      </dsp:nvSpPr>
+      <dsp:spPr>
+        <a:xfrm>
+          <a:off x="8117141" y="5292193"/>
+          <a:ext cx="1328067" cy="843323"/>
+        </a:xfrm>
+        <a:prstGeom prst="roundRect">
+          <a:avLst>
+            <a:gd name="adj" fmla="val 10000"/>
+          </a:avLst>
+        </a:prstGeom>
+        <a:solidFill>
+          <a:schemeClr val="accent1">
+            <a:hueOff val="0"/>
+            <a:satOff val="0"/>
+            <a:lumOff val="0"/>
+            <a:alphaOff val="0"/>
+          </a:schemeClr>
+        </a:solidFill>
+        <a:ln w="12700" cap="flat" cmpd="sng" algn="ctr">
+          <a:solidFill>
+            <a:schemeClr val="lt1">
+              <a:hueOff val="0"/>
+              <a:satOff val="0"/>
+              <a:lumOff val="0"/>
+              <a:alphaOff val="0"/>
+            </a:schemeClr>
+          </a:solidFill>
+          <a:prstDash val="solid"/>
+          <a:miter lim="800000"/>
+        </a:ln>
+        <a:effectLst/>
+      </dsp:spPr>
+      <dsp:style>
+        <a:lnRef idx="2">
+          <a:scrgbClr r="0" g="0" b="0"/>
+        </a:lnRef>
+        <a:fillRef idx="1">
+          <a:scrgbClr r="0" g="0" b="0"/>
+        </a:fillRef>
+        <a:effectRef idx="0">
+          <a:scrgbClr r="0" g="0" b="0"/>
+        </a:effectRef>
+        <a:fontRef idx="minor">
+          <a:schemeClr val="lt1"/>
+        </a:fontRef>
+      </dsp:style>
+    </dsp:sp>
+    <dsp:sp modelId="{A6194213-EC37-4C06-8347-F4734EE1A53A}">
+      <dsp:nvSpPr>
+        <dsp:cNvPr id="0" name=""/>
+        <dsp:cNvSpPr/>
+      </dsp:nvSpPr>
+      <dsp:spPr>
+        <a:xfrm>
+          <a:off x="8264704" y="5432378"/>
+          <a:ext cx="1328067" cy="843323"/>
+        </a:xfrm>
+        <a:prstGeom prst="roundRect">
+          <a:avLst>
+            <a:gd name="adj" fmla="val 10000"/>
+          </a:avLst>
+        </a:prstGeom>
+        <a:solidFill>
+          <a:schemeClr val="lt1">
+            <a:alpha val="90000"/>
+            <a:hueOff val="0"/>
+            <a:satOff val="0"/>
+            <a:lumOff val="0"/>
+            <a:alphaOff val="0"/>
+          </a:schemeClr>
+        </a:solidFill>
+        <a:ln w="12700" cap="flat" cmpd="sng" algn="ctr">
+          <a:solidFill>
+            <a:schemeClr val="accent1">
+              <a:hueOff val="0"/>
+              <a:satOff val="0"/>
+              <a:lumOff val="0"/>
+              <a:alphaOff val="0"/>
+            </a:schemeClr>
+          </a:solidFill>
+          <a:prstDash val="solid"/>
+          <a:miter lim="800000"/>
+        </a:ln>
+        <a:effectLst/>
+      </dsp:spPr>
+      <dsp:style>
+        <a:lnRef idx="2">
+          <a:scrgbClr r="0" g="0" b="0"/>
+        </a:lnRef>
+        <a:fillRef idx="1">
+          <a:scrgbClr r="0" g="0" b="0"/>
+        </a:fillRef>
+        <a:effectRef idx="0">
+          <a:scrgbClr r="0" g="0" b="0"/>
+        </a:effectRef>
+        <a:fontRef idx="minor"/>
+      </dsp:style>
+      <dsp:txBody>
+        <a:bodyPr spcFirstLastPara="0" vert="horz" wrap="square" lIns="30480" tIns="30480" rIns="30480" bIns="30480" numCol="1" spcCol="1270" anchor="ctr" anchorCtr="0">
+          <a:noAutofit/>
+        </a:bodyPr>
+        <a:lstStyle/>
+        <a:p>
+          <a:pPr marL="0" lvl="0" indent="0" algn="ctr" defTabSz="355600">
+            <a:lnSpc>
+              <a:spcPct val="90000"/>
+            </a:lnSpc>
+            <a:spcBef>
+              <a:spcPct val="0"/>
+            </a:spcBef>
+            <a:spcAft>
+              <a:spcPct val="35000"/>
+            </a:spcAft>
+            <a:buNone/>
+          </a:pPr>
+          <a:r>
+            <a:rPr lang="en-US" sz="800" kern="1200" dirty="0"/>
+            <a:t>Dashboard: </a:t>
+          </a:r>
+          <a:r>
+            <a:rPr lang="en-US" sz="800" kern="1200" dirty="0" err="1"/>
+            <a:t>genericUser</a:t>
+          </a:r>
+          <a:endParaRPr lang="en-AU" sz="800" kern="1200" dirty="0"/>
+        </a:p>
+      </dsp:txBody>
+      <dsp:txXfrm>
+        <a:off x="8289404" y="5457078"/>
+        <a:ext cx="1278667" cy="793923"/>
       </dsp:txXfrm>
     </dsp:sp>
   </dsp:spTree>
@@ -8111,7 +8888,7 @@
           <p:nvPr>
             <p:extLst>
               <p:ext uri="{D42A27DB-BD31-4B8C-83A1-F6EECF244321}">
-                <p14:modId xmlns:p14="http://schemas.microsoft.com/office/powerpoint/2010/main" val="581291867"/>
+                <p14:modId xmlns:p14="http://schemas.microsoft.com/office/powerpoint/2010/main" val="923758404"/>
               </p:ext>
             </p:extLst>
           </p:nvPr>
